--- a/Presentations/Risky Business.pptx
+++ b/Presentations/Risky Business.pptx
@@ -5,7 +5,7 @@
     <p:sldMasterId id="2147483660" r:id="rId1"/>
   </p:sldMasterIdLst>
   <p:notesMasterIdLst>
-    <p:notesMasterId r:id="rId26"/>
+    <p:notesMasterId r:id="rId31"/>
   </p:notesMasterIdLst>
   <p:sldIdLst>
     <p:sldId id="475" r:id="rId2"/>
@@ -27,38 +27,43 @@
     <p:sldId id="481" r:id="rId18"/>
     <p:sldId id="486" r:id="rId19"/>
     <p:sldId id="487" r:id="rId20"/>
-    <p:sldId id="488" r:id="rId21"/>
-    <p:sldId id="489" r:id="rId22"/>
-    <p:sldId id="490" r:id="rId23"/>
-    <p:sldId id="491" r:id="rId24"/>
-    <p:sldId id="494" r:id="rId25"/>
+    <p:sldId id="496" r:id="rId21"/>
+    <p:sldId id="499" r:id="rId22"/>
+    <p:sldId id="498" r:id="rId23"/>
+    <p:sldId id="495" r:id="rId24"/>
+    <p:sldId id="497" r:id="rId25"/>
+    <p:sldId id="488" r:id="rId26"/>
+    <p:sldId id="489" r:id="rId27"/>
+    <p:sldId id="490" r:id="rId28"/>
+    <p:sldId id="491" r:id="rId29"/>
+    <p:sldId id="494" r:id="rId30"/>
   </p:sldIdLst>
   <p:sldSz cx="9144000" cy="6858000" type="screen4x3"/>
   <p:notesSz cx="6858000" cy="9144000"/>
   <p:embeddedFontLst>
     <p:embeddedFont>
       <p:font typeface="Tahoma" panose="020B0604030504040204" pitchFamily="34" charset="0"/>
-      <p:regular r:id="rId27"/>
-      <p:bold r:id="rId28"/>
+      <p:regular r:id="rId32"/>
+      <p:bold r:id="rId33"/>
     </p:embeddedFont>
     <p:embeddedFont>
       <p:font typeface="Calibri" panose="020F0502020204030204" pitchFamily="34" charset="0"/>
-      <p:regular r:id="rId29"/>
-      <p:bold r:id="rId30"/>
-      <p:italic r:id="rId31"/>
-      <p:boldItalic r:id="rId32"/>
+      <p:regular r:id="rId34"/>
+      <p:bold r:id="rId35"/>
+      <p:italic r:id="rId36"/>
+      <p:boldItalic r:id="rId37"/>
     </p:embeddedFont>
     <p:embeddedFont>
       <p:font typeface="Corbel" panose="020B0503020204020204" pitchFamily="34" charset="0"/>
-      <p:regular r:id="rId33"/>
-      <p:bold r:id="rId34"/>
-      <p:italic r:id="rId35"/>
-      <p:boldItalic r:id="rId36"/>
+      <p:regular r:id="rId38"/>
+      <p:bold r:id="rId39"/>
+      <p:italic r:id="rId40"/>
+      <p:boldItalic r:id="rId41"/>
     </p:embeddedFont>
     <p:embeddedFont>
       <p:font typeface="Tunga" panose="020B0604020202020204" charset="0"/>
-      <p:regular r:id="rId37"/>
-      <p:bold r:id="rId38"/>
+      <p:regular r:id="rId42"/>
+      <p:bold r:id="rId43"/>
     </p:embeddedFont>
   </p:embeddedFontLst>
   <p:defaultTextStyle>
@@ -261,7 +266,7 @@
           <a:p>
             <a:fld id="{AC180C8A-D2E4-4495-AF9F-052BC1FF86BD}" type="datetimeFigureOut">
               <a:rPr lang="en-US" smtClean="0"/>
-              <a:t>6/4/2017</a:t>
+              <a:t>6/5/2017</a:t>
             </a:fld>
             <a:endParaRPr lang="en-US"/>
           </a:p>
@@ -6958,9 +6963,10 @@
           <a:lstStyle/>
           <a:p>
             <a:r>
-              <a:rPr lang="en-US" dirty="0"/>
+              <a:rPr lang="en-US"/>
               <a:t>June 2017</a:t>
             </a:r>
+            <a:endParaRPr lang="en-US" dirty="0"/>
           </a:p>
         </p:txBody>
       </p:sp>
@@ -7003,9 +7009,10 @@
           <a:lstStyle/>
           <a:p>
             <a:r>
-              <a:rPr lang="en-US" dirty="0"/>
+              <a:rPr lang="en-US"/>
               <a:t>Common Risk Concepts </a:t>
             </a:r>
+            <a:endParaRPr lang="en-US" dirty="0"/>
           </a:p>
         </p:txBody>
       </p:sp>
@@ -7019,7 +7026,12 @@
             <p:ph type="title"/>
           </p:nvPr>
         </p:nvSpPr>
-        <p:spPr/>
+        <p:spPr>
+          <a:xfrm>
+            <a:off x="381000" y="152400"/>
+            <a:ext cx="8229600" cy="685800"/>
+          </a:xfrm>
+        </p:spPr>
         <p:txBody>
           <a:bodyPr>
             <a:normAutofit fontScale="90000"/>
@@ -7028,7 +7040,7 @@
           <a:p>
             <a:r>
               <a:rPr lang="en-US" dirty="0"/>
-              <a:t>Threat/Risk Packages and Classes</a:t>
+              <a:t>Example specialization of Vulnerabilities</a:t>
             </a:r>
           </a:p>
         </p:txBody>
@@ -7049,8 +7061,8 @@
         </p:blipFill>
         <p:spPr>
           <a:xfrm>
-            <a:off x="1550984" y="834656"/>
-            <a:ext cx="6323311" cy="6088814"/>
+            <a:off x="762000" y="827567"/>
+            <a:ext cx="8001000" cy="6858000"/>
           </a:xfrm>
           <a:prstGeom prst="rect">
             <a:avLst/>
@@ -7060,7 +7072,7 @@
     </p:spTree>
     <p:extLst>
       <p:ext uri="{BB962C8B-B14F-4D97-AF65-F5344CB8AC3E}">
-        <p14:creationId xmlns:p14="http://schemas.microsoft.com/office/powerpoint/2010/main" val="2715667735"/>
+        <p14:creationId xmlns:p14="http://schemas.microsoft.com/office/powerpoint/2010/main" val="2904524538"/>
       </p:ext>
     </p:extLst>
   </p:cSld>
@@ -7089,23 +7101,108 @@
       </p:grpSpPr>
       <p:sp>
         <p:nvSpPr>
+          <p:cNvPr id="6" name="Content Placeholder 5"/>
+          <p:cNvSpPr>
+            <a:spLocks noGrp="1"/>
+          </p:cNvSpPr>
+          <p:nvPr>
+            <p:ph sz="quarter" idx="13"/>
+          </p:nvPr>
+        </p:nvSpPr>
+        <p:spPr/>
+        <p:txBody>
+          <a:bodyPr/>
+          <a:lstStyle/>
+          <a:p>
+            <a:r>
+              <a:rPr lang="en-US" dirty="0"/>
+              <a:t>Categories can specialize:</a:t>
+            </a:r>
+          </a:p>
+          <a:p>
+            <a:pPr marL="285750" indent="-285750">
+              <a:buFont typeface="Arial" panose="020B0604020202020204" pitchFamily="34" charset="0"/>
+              <a:buChar char="•"/>
+            </a:pPr>
+            <a:r>
+              <a:rPr lang="en-US" dirty="0"/>
+              <a:t>Impact (this is the most typical for business risk )</a:t>
+            </a:r>
+          </a:p>
+          <a:p>
+            <a:pPr marL="285750" indent="-285750">
+              <a:buFont typeface="Arial" panose="020B0604020202020204" pitchFamily="34" charset="0"/>
+              <a:buChar char="•"/>
+            </a:pPr>
+            <a:r>
+              <a:rPr lang="en-US" dirty="0"/>
+              <a:t>Source of a danger</a:t>
+            </a:r>
+          </a:p>
+          <a:p>
+            <a:pPr marL="285750" indent="-285750">
+              <a:buFont typeface="Arial" panose="020B0604020202020204" pitchFamily="34" charset="0"/>
+              <a:buChar char="•"/>
+            </a:pPr>
+            <a:r>
+              <a:rPr lang="en-US" dirty="0"/>
+              <a:t>What may fail</a:t>
+            </a:r>
+          </a:p>
+          <a:p>
+            <a:endParaRPr lang="en-US" dirty="0"/>
+          </a:p>
+          <a:p>
+            <a:r>
+              <a:rPr lang="en-US" dirty="0"/>
+              <a:t>The following are categories identified in operational threat/risk</a:t>
+            </a:r>
+          </a:p>
+          <a:p>
+            <a:r>
+              <a:rPr lang="en-US" dirty="0"/>
+              <a:t>Business risk would add additional categories, examples:</a:t>
+            </a:r>
+          </a:p>
+          <a:p>
+            <a:pPr marL="285750" indent="-285750">
+              <a:buFont typeface="Arial" panose="020B0604020202020204" pitchFamily="34" charset="0"/>
+              <a:buChar char="•"/>
+            </a:pPr>
+            <a:r>
+              <a:rPr lang="en-US" dirty="0"/>
+              <a:t>Market risk, credit risk, Legal risk, etc.</a:t>
+            </a:r>
+          </a:p>
+          <a:p>
+            <a:pPr marL="285750" indent="-285750">
+              <a:buFont typeface="Arial" panose="020B0604020202020204" pitchFamily="34" charset="0"/>
+              <a:buChar char="•"/>
+            </a:pPr>
+            <a:endParaRPr lang="en-US" dirty="0"/>
+          </a:p>
+        </p:txBody>
+      </p:sp>
+      <p:sp>
+        <p:nvSpPr>
           <p:cNvPr id="2" name="Date Placeholder 1"/>
           <p:cNvSpPr>
             <a:spLocks noGrp="1"/>
           </p:cNvSpPr>
           <p:nvPr>
-            <p:ph type="dt" sz="half" idx="10"/>
-          </p:nvPr>
-        </p:nvSpPr>
-        <p:spPr/>
-        <p:txBody>
-          <a:bodyPr/>
-          <a:lstStyle/>
-          <a:p>
-            <a:r>
-              <a:rPr lang="en-US" dirty="0"/>
+            <p:ph type="dt" sz="half" idx="14"/>
+          </p:nvPr>
+        </p:nvSpPr>
+        <p:spPr/>
+        <p:txBody>
+          <a:bodyPr/>
+          <a:lstStyle/>
+          <a:p>
+            <a:r>
+              <a:rPr lang="en-US"/>
               <a:t>June 2017</a:t>
             </a:r>
+            <a:endParaRPr lang="en-US" dirty="0"/>
           </a:p>
         </p:txBody>
       </p:sp>
@@ -7116,7 +7213,7 @@
             <a:spLocks noGrp="1"/>
           </p:cNvSpPr>
           <p:nvPr>
-            <p:ph type="sldNum" sz="quarter" idx="11"/>
+            <p:ph type="sldNum" sz="quarter" idx="15"/>
           </p:nvPr>
         </p:nvSpPr>
         <p:spPr/>
@@ -7139,18 +7236,19 @@
             <a:spLocks noGrp="1"/>
           </p:cNvSpPr>
           <p:nvPr>
-            <p:ph type="ftr" sz="quarter" idx="12"/>
-          </p:nvPr>
-        </p:nvSpPr>
-        <p:spPr/>
-        <p:txBody>
-          <a:bodyPr/>
-          <a:lstStyle/>
-          <a:p>
-            <a:r>
-              <a:rPr lang="en-US" dirty="0"/>
+            <p:ph type="ftr" sz="quarter" idx="16"/>
+          </p:nvPr>
+        </p:nvSpPr>
+        <p:spPr/>
+        <p:txBody>
+          <a:bodyPr/>
+          <a:lstStyle/>
+          <a:p>
+            <a:r>
+              <a:rPr lang="en-US"/>
               <a:t>Common Risk Concepts </a:t>
             </a:r>
+            <a:endParaRPr lang="en-US" dirty="0"/>
           </a:p>
         </p:txBody>
       </p:sp>
@@ -7173,453 +7271,7 @@
           <a:p>
             <a:r>
               <a:rPr lang="en-US" dirty="0"/>
-              <a:t>Generic Concept Library Packages</a:t>
-            </a:r>
-          </a:p>
-        </p:txBody>
-      </p:sp>
-      <p:sp>
-        <p:nvSpPr>
-          <p:cNvPr id="6" name="Rectangle 5"/>
-          <p:cNvSpPr/>
-          <p:nvPr/>
-        </p:nvSpPr>
-        <p:spPr>
-          <a:xfrm>
-            <a:off x="868680" y="1182425"/>
-            <a:ext cx="6705600" cy="5066644"/>
-          </a:xfrm>
-          <a:prstGeom prst="rect">
-            <a:avLst/>
-          </a:prstGeom>
-        </p:spPr>
-        <p:txBody>
-          <a:bodyPr wrap="square" numCol="3">
-            <a:noAutofit/>
-          </a:bodyPr>
-          <a:lstStyle/>
-          <a:p>
-            <a:pPr>
-              <a:buFont typeface="Arial" panose="020B0604020202020204" pitchFamily="34" charset="0"/>
-              <a:buChar char="•"/>
-            </a:pPr>
-            <a:r>
-              <a:rPr lang="en-US" dirty="0"/>
-              <a:t>Assessments</a:t>
-            </a:r>
-          </a:p>
-          <a:p>
-            <a:pPr>
-              <a:buFont typeface="Arial" panose="020B0604020202020204" pitchFamily="34" charset="0"/>
-              <a:buChar char="•"/>
-            </a:pPr>
-            <a:r>
-              <a:rPr lang="en-US" dirty="0"/>
-              <a:t>Contact Information</a:t>
-            </a:r>
-          </a:p>
-          <a:p>
-            <a:pPr>
-              <a:buFont typeface="Arial" panose="020B0604020202020204" pitchFamily="34" charset="0"/>
-              <a:buChar char="•"/>
-            </a:pPr>
-            <a:r>
-              <a:rPr lang="en-US" dirty="0"/>
-              <a:t>Abilities</a:t>
-            </a:r>
-          </a:p>
-          <a:p>
-            <a:pPr>
-              <a:buFont typeface="Arial" panose="020B0604020202020204" pitchFamily="34" charset="0"/>
-              <a:buChar char="•"/>
-            </a:pPr>
-            <a:r>
-              <a:rPr lang="en-US" dirty="0"/>
-              <a:t>Composite Conditions</a:t>
-            </a:r>
-          </a:p>
-          <a:p>
-            <a:pPr>
-              <a:buFont typeface="Arial" panose="020B0604020202020204" pitchFamily="34" charset="0"/>
-              <a:buChar char="•"/>
-            </a:pPr>
-            <a:r>
-              <a:rPr lang="en-US" dirty="0"/>
-              <a:t>Containment</a:t>
-            </a:r>
-          </a:p>
-          <a:p>
-            <a:pPr>
-              <a:buFont typeface="Arial" panose="020B0604020202020204" pitchFamily="34" charset="0"/>
-              <a:buChar char="•"/>
-            </a:pPr>
-            <a:r>
-              <a:rPr lang="en-US" dirty="0"/>
-              <a:t>Control</a:t>
-            </a:r>
-          </a:p>
-          <a:p>
-            <a:pPr>
-              <a:buFont typeface="Arial" panose="020B0604020202020204" pitchFamily="34" charset="0"/>
-              <a:buChar char="•"/>
-            </a:pPr>
-            <a:r>
-              <a:rPr lang="en-US" dirty="0"/>
-              <a:t>Credentials</a:t>
-            </a:r>
-          </a:p>
-          <a:p>
-            <a:pPr>
-              <a:buFont typeface="Arial" panose="020B0604020202020204" pitchFamily="34" charset="0"/>
-              <a:buChar char="•"/>
-            </a:pPr>
-            <a:r>
-              <a:rPr lang="en-US" dirty="0"/>
-              <a:t>Cyber</a:t>
-            </a:r>
-          </a:p>
-          <a:p>
-            <a:pPr>
-              <a:buFont typeface="Arial" panose="020B0604020202020204" pitchFamily="34" charset="0"/>
-              <a:buChar char="•"/>
-            </a:pPr>
-            <a:r>
-              <a:rPr lang="en-US" dirty="0"/>
-              <a:t>Enterprises</a:t>
-            </a:r>
-          </a:p>
-          <a:p>
-            <a:pPr>
-              <a:buFont typeface="Arial" panose="020B0604020202020204" pitchFamily="34" charset="0"/>
-              <a:buChar char="•"/>
-            </a:pPr>
-            <a:r>
-              <a:rPr lang="en-US" dirty="0"/>
-              <a:t>Corporations</a:t>
-            </a:r>
-          </a:p>
-          <a:p>
-            <a:pPr>
-              <a:buFont typeface="Arial" panose="020B0604020202020204" pitchFamily="34" charset="0"/>
-              <a:buChar char="•"/>
-            </a:pPr>
-            <a:r>
-              <a:rPr lang="en-US" dirty="0"/>
-              <a:t>Entities</a:t>
-            </a:r>
-          </a:p>
-          <a:p>
-            <a:pPr>
-              <a:buFont typeface="Arial" panose="020B0604020202020204" pitchFamily="34" charset="0"/>
-              <a:buChar char="•"/>
-            </a:pPr>
-            <a:r>
-              <a:rPr lang="en-US" dirty="0"/>
-              <a:t>Occurrences</a:t>
-            </a:r>
-          </a:p>
-          <a:p>
-            <a:pPr>
-              <a:buFont typeface="Arial" panose="020B0604020202020204" pitchFamily="34" charset="0"/>
-              <a:buChar char="•"/>
-            </a:pPr>
-            <a:r>
-              <a:rPr lang="en-US" dirty="0"/>
-              <a:t>Geopolitical Organizations</a:t>
-            </a:r>
-          </a:p>
-          <a:p>
-            <a:pPr>
-              <a:buFont typeface="Arial" panose="020B0604020202020204" pitchFamily="34" charset="0"/>
-              <a:buChar char="•"/>
-            </a:pPr>
-            <a:r>
-              <a:rPr lang="en-US" dirty="0"/>
-              <a:t>Entities</a:t>
-            </a:r>
-          </a:p>
-          <a:p>
-            <a:pPr>
-              <a:buFont typeface="Arial" panose="020B0604020202020204" pitchFamily="34" charset="0"/>
-              <a:buChar char="•"/>
-            </a:pPr>
-            <a:r>
-              <a:rPr lang="en-US" dirty="0"/>
-              <a:t>Observations</a:t>
-            </a:r>
-          </a:p>
-          <a:p>
-            <a:pPr>
-              <a:buFont typeface="Arial" panose="020B0604020202020204" pitchFamily="34" charset="0"/>
-              <a:buChar char="•"/>
-            </a:pPr>
-            <a:r>
-              <a:rPr lang="en-US" dirty="0"/>
-              <a:t>Locations</a:t>
-            </a:r>
-          </a:p>
-          <a:p>
-            <a:pPr>
-              <a:buFont typeface="Arial" panose="020B0604020202020204" pitchFamily="34" charset="0"/>
-              <a:buChar char="•"/>
-            </a:pPr>
-            <a:r>
-              <a:rPr lang="en-US" dirty="0"/>
-              <a:t>Objectives</a:t>
-            </a:r>
-          </a:p>
-          <a:p>
-            <a:pPr>
-              <a:buFont typeface="Arial" panose="020B0604020202020204" pitchFamily="34" charset="0"/>
-              <a:buChar char="•"/>
-            </a:pPr>
-            <a:r>
-              <a:rPr lang="en-US" dirty="0"/>
-              <a:t>Information</a:t>
-            </a:r>
-          </a:p>
-          <a:p>
-            <a:pPr>
-              <a:buFont typeface="Arial" panose="020B0604020202020204" pitchFamily="34" charset="0"/>
-              <a:buChar char="•"/>
-            </a:pPr>
-            <a:r>
-              <a:rPr lang="en-US" dirty="0"/>
-              <a:t>Identifiers and Coordinates</a:t>
-            </a:r>
-          </a:p>
-          <a:p>
-            <a:pPr>
-              <a:buFont typeface="Arial" panose="020B0604020202020204" pitchFamily="34" charset="0"/>
-              <a:buChar char="•"/>
-            </a:pPr>
-            <a:r>
-              <a:rPr lang="en-US" dirty="0"/>
-              <a:t>Permissions</a:t>
-            </a:r>
-          </a:p>
-          <a:p>
-            <a:pPr>
-              <a:buFont typeface="Arial" panose="020B0604020202020204" pitchFamily="34" charset="0"/>
-              <a:buChar char="•"/>
-            </a:pPr>
-            <a:r>
-              <a:rPr lang="en-US" dirty="0"/>
-              <a:t>Organizations</a:t>
-            </a:r>
-          </a:p>
-          <a:p>
-            <a:pPr>
-              <a:buFont typeface="Arial" panose="020B0604020202020204" pitchFamily="34" charset="0"/>
-              <a:buChar char="•"/>
-            </a:pPr>
-            <a:r>
-              <a:rPr lang="en-US" dirty="0"/>
-              <a:t>Places</a:t>
-            </a:r>
-          </a:p>
-          <a:p>
-            <a:pPr>
-              <a:buFont typeface="Arial" panose="020B0604020202020204" pitchFamily="34" charset="0"/>
-              <a:buChar char="•"/>
-            </a:pPr>
-            <a:r>
-              <a:rPr lang="en-US" dirty="0"/>
-              <a:t>Persons</a:t>
-            </a:r>
-          </a:p>
-          <a:p>
-            <a:pPr>
-              <a:buFont typeface="Arial" panose="020B0604020202020204" pitchFamily="34" charset="0"/>
-              <a:buChar char="•"/>
-            </a:pPr>
-            <a:r>
-              <a:rPr lang="en-US" dirty="0"/>
-              <a:t>Physical Entities</a:t>
-            </a:r>
-          </a:p>
-          <a:p>
-            <a:pPr>
-              <a:buFont typeface="Arial" panose="020B0604020202020204" pitchFamily="34" charset="0"/>
-              <a:buChar char="•"/>
-            </a:pPr>
-            <a:r>
-              <a:rPr lang="en-US" dirty="0"/>
-              <a:t>Processes</a:t>
-            </a:r>
-          </a:p>
-          <a:p>
-            <a:pPr>
-              <a:buFont typeface="Arial" panose="020B0604020202020204" pitchFamily="34" charset="0"/>
-              <a:buChar char="•"/>
-            </a:pPr>
-            <a:r>
-              <a:rPr lang="en-US" dirty="0"/>
-              <a:t>Process Effects</a:t>
-            </a:r>
-          </a:p>
-          <a:p>
-            <a:pPr>
-              <a:buFont typeface="Arial" panose="020B0604020202020204" pitchFamily="34" charset="0"/>
-              <a:buChar char="•"/>
-            </a:pPr>
-            <a:r>
-              <a:rPr lang="en-US" dirty="0"/>
-              <a:t>Policies</a:t>
-            </a:r>
-          </a:p>
-          <a:p>
-            <a:pPr>
-              <a:buFont typeface="Arial" panose="020B0604020202020204" pitchFamily="34" charset="0"/>
-              <a:buChar char="•"/>
-            </a:pPr>
-            <a:r>
-              <a:rPr lang="en-US" dirty="0"/>
-              <a:t>Predictions</a:t>
-            </a:r>
-          </a:p>
-          <a:p>
-            <a:pPr>
-              <a:buFont typeface="Arial" panose="020B0604020202020204" pitchFamily="34" charset="0"/>
-              <a:buChar char="•"/>
-            </a:pPr>
-            <a:r>
-              <a:rPr lang="en-US" dirty="0"/>
-              <a:t>Quantities and Units</a:t>
-            </a:r>
-          </a:p>
-          <a:p>
-            <a:pPr>
-              <a:buFont typeface="Arial" panose="020B0604020202020204" pitchFamily="34" charset="0"/>
-              <a:buChar char="•"/>
-            </a:pPr>
-            <a:r>
-              <a:rPr lang="en-US" dirty="0"/>
-              <a:t>Resources</a:t>
-            </a:r>
-          </a:p>
-          <a:p>
-            <a:pPr>
-              <a:buFont typeface="Arial" panose="020B0604020202020204" pitchFamily="34" charset="0"/>
-              <a:buChar char="•"/>
-            </a:pPr>
-            <a:r>
-              <a:rPr lang="en-US" dirty="0"/>
-              <a:t>Response</a:t>
-            </a:r>
-          </a:p>
-          <a:p>
-            <a:pPr>
-              <a:buFont typeface="Arial" panose="020B0604020202020204" pitchFamily="34" charset="0"/>
-              <a:buChar char="•"/>
-            </a:pPr>
-            <a:r>
-              <a:rPr lang="en-US" dirty="0"/>
-              <a:t>Quantity Kinds</a:t>
-            </a:r>
-          </a:p>
-          <a:p>
-            <a:pPr>
-              <a:buFont typeface="Arial" panose="020B0604020202020204" pitchFamily="34" charset="0"/>
-              <a:buChar char="•"/>
-            </a:pPr>
-            <a:r>
-              <a:rPr lang="en-US" dirty="0"/>
-              <a:t>Scenarios</a:t>
-            </a:r>
-          </a:p>
-          <a:p>
-            <a:pPr>
-              <a:buFont typeface="Arial" panose="020B0604020202020204" pitchFamily="34" charset="0"/>
-              <a:buChar char="•"/>
-            </a:pPr>
-            <a:r>
-              <a:rPr lang="en-US" dirty="0"/>
-              <a:t>Situations</a:t>
-            </a:r>
-          </a:p>
-          <a:p>
-            <a:pPr>
-              <a:buFont typeface="Arial" panose="020B0604020202020204" pitchFamily="34" charset="0"/>
-              <a:buChar char="•"/>
-            </a:pPr>
-            <a:r>
-              <a:rPr lang="en-US" dirty="0"/>
-              <a:t>Social Agents</a:t>
-            </a:r>
-          </a:p>
-          <a:p>
-            <a:pPr>
-              <a:buFont typeface="Arial" panose="020B0604020202020204" pitchFamily="34" charset="0"/>
-              <a:buChar char="•"/>
-            </a:pPr>
-            <a:r>
-              <a:rPr lang="en-US" dirty="0"/>
-              <a:t>Systems</a:t>
-            </a:r>
-          </a:p>
-          <a:p>
-            <a:pPr>
-              <a:buFont typeface="Arial" panose="020B0604020202020204" pitchFamily="34" charset="0"/>
-              <a:buChar char="•"/>
-            </a:pPr>
-            <a:r>
-              <a:rPr lang="en-US" dirty="0"/>
-              <a:t>Units</a:t>
-            </a:r>
-          </a:p>
-          <a:p>
-            <a:pPr>
-              <a:buFont typeface="Arial" panose="020B0604020202020204" pitchFamily="34" charset="0"/>
-              <a:buChar char="•"/>
-            </a:pPr>
-            <a:r>
-              <a:rPr lang="en-US" dirty="0"/>
-              <a:t>Vendors and Producers</a:t>
-            </a:r>
-          </a:p>
-          <a:p>
-            <a:pPr>
-              <a:buFont typeface="Arial" panose="020B0604020202020204" pitchFamily="34" charset="0"/>
-              <a:buChar char="•"/>
-            </a:pPr>
-            <a:r>
-              <a:rPr lang="en-US" dirty="0"/>
-              <a:t>Time &amp; Temporal Entities</a:t>
-            </a:r>
-          </a:p>
-        </p:txBody>
-      </p:sp>
-      <p:sp>
-        <p:nvSpPr>
-          <p:cNvPr id="7" name="TextBox 6"/>
-          <p:cNvSpPr txBox="1"/>
-          <p:nvPr/>
-        </p:nvSpPr>
-        <p:spPr>
-          <a:xfrm>
-            <a:off x="6065874" y="4317165"/>
-            <a:ext cx="2667000" cy="1938992"/>
-          </a:xfrm>
-          <a:prstGeom prst="rect">
-            <a:avLst/>
-          </a:prstGeom>
-          <a:noFill/>
-        </p:spPr>
-        <p:txBody>
-          <a:bodyPr wrap="square" rtlCol="0">
-            <a:spAutoFit/>
-          </a:bodyPr>
-          <a:lstStyle/>
-          <a:p>
-            <a:pPr algn="ctr"/>
-            <a:r>
-              <a:rPr lang="en-US" sz="2000" dirty="0">
-                <a:solidFill>
-                  <a:srgbClr val="FFFF00"/>
-                </a:solidFill>
-              </a:rPr>
-              <a:t>Topics related to sharing and federating information relative to threats and risks but not specific to threats or risks</a:t>
+              <a:t>Categories also provide domain insight</a:t>
             </a:r>
           </a:p>
         </p:txBody>
@@ -7627,7 +7279,7 @@
     </p:spTree>
     <p:extLst>
       <p:ext uri="{BB962C8B-B14F-4D97-AF65-F5344CB8AC3E}">
-        <p14:creationId xmlns:p14="http://schemas.microsoft.com/office/powerpoint/2010/main" val="116702190"/>
+        <p14:creationId xmlns:p14="http://schemas.microsoft.com/office/powerpoint/2010/main" val="1352994569"/>
       </p:ext>
     </p:extLst>
   </p:cSld>
@@ -7656,105 +7308,35 @@
       </p:grpSpPr>
       <p:sp>
         <p:nvSpPr>
-          <p:cNvPr id="7" name="Content Placeholder 6"/>
-          <p:cNvSpPr>
-            <a:spLocks noGrp="1"/>
-          </p:cNvSpPr>
-          <p:nvPr>
-            <p:ph sz="quarter" idx="13"/>
-          </p:nvPr>
-        </p:nvSpPr>
-        <p:spPr/>
-        <p:txBody>
-          <a:bodyPr/>
-          <a:lstStyle/>
-          <a:p>
-            <a:r>
-              <a:rPr lang="en-US" dirty="0"/>
-              <a:t>Lets provide a foundation for federation of risk concepts, not more stovepipes</a:t>
-            </a:r>
-          </a:p>
-          <a:p>
-            <a:r>
-              <a:rPr lang="en-US" dirty="0"/>
-              <a:t>Work together to define generic cross-domain concept libraries</a:t>
-            </a:r>
-          </a:p>
-          <a:p>
-            <a:r>
-              <a:rPr lang="en-US" dirty="0"/>
-              <a:t>Specialize these for domain and application specific needs</a:t>
-            </a:r>
-          </a:p>
-          <a:p>
-            <a:r>
-              <a:rPr lang="en-US" dirty="0"/>
-              <a:t>Thus providing for cross-domain information sharing, integration and federation.</a:t>
-            </a:r>
-          </a:p>
-          <a:p>
-            <a:pPr marL="285750" indent="-285750">
-              <a:buFont typeface="Arial" panose="020B0604020202020204" pitchFamily="34" charset="0"/>
-              <a:buChar char="•"/>
-            </a:pPr>
-            <a:r>
-              <a:rPr lang="en-US" dirty="0"/>
-              <a:t>“Domains” are a myth with respect to broad base sharing and federation!</a:t>
-            </a:r>
-          </a:p>
-          <a:p>
-            <a:r>
-              <a:rPr lang="en-US" dirty="0"/>
-              <a:t>Threat/risk and its generic concept library provides a starting point, there are other starting points as well, such as FIBO.</a:t>
-            </a:r>
-          </a:p>
-          <a:p>
-            <a:r>
-              <a:rPr lang="en-US" dirty="0"/>
-              <a:t>To help with this we are starting to publish conceptual models as open source concept libraries.</a:t>
-            </a:r>
-          </a:p>
-          <a:p>
-            <a:r>
-              <a:rPr lang="en-US" dirty="0"/>
-              <a:t>These can then be pulled into OMG vertical specifications as they are needed, but defined and published as cross-domain assets.</a:t>
-            </a:r>
-          </a:p>
-          <a:p>
+          <p:cNvPr id="2" name="Date Placeholder 1"/>
+          <p:cNvSpPr>
+            <a:spLocks noGrp="1"/>
+          </p:cNvSpPr>
+          <p:nvPr>
+            <p:ph type="dt" sz="half" idx="10"/>
+          </p:nvPr>
+        </p:nvSpPr>
+        <p:spPr/>
+        <p:txBody>
+          <a:bodyPr/>
+          <a:lstStyle/>
+          <a:p>
+            <a:r>
+              <a:rPr lang="en-US"/>
+              <a:t>June 2017</a:t>
+            </a:r>
             <a:endParaRPr lang="en-US" dirty="0"/>
           </a:p>
         </p:txBody>
       </p:sp>
       <p:sp>
         <p:nvSpPr>
-          <p:cNvPr id="2" name="Date Placeholder 1"/>
-          <p:cNvSpPr>
-            <a:spLocks noGrp="1"/>
-          </p:cNvSpPr>
-          <p:nvPr>
-            <p:ph type="dt" sz="half" idx="14"/>
-          </p:nvPr>
-        </p:nvSpPr>
-        <p:spPr/>
-        <p:txBody>
-          <a:bodyPr/>
-          <a:lstStyle/>
-          <a:p>
-            <a:r>
-              <a:rPr lang="en-US" dirty="0"/>
-              <a:t>June 2017</a:t>
-            </a:r>
-          </a:p>
-        </p:txBody>
-      </p:sp>
-      <p:sp>
-        <p:nvSpPr>
           <p:cNvPr id="3" name="Slide Number Placeholder 2"/>
           <p:cNvSpPr>
             <a:spLocks noGrp="1"/>
           </p:cNvSpPr>
           <p:nvPr>
-            <p:ph type="sldNum" sz="quarter" idx="15"/>
+            <p:ph type="sldNum" sz="quarter" idx="11"/>
           </p:nvPr>
         </p:nvSpPr>
         <p:spPr/>
@@ -7777,24 +7359,25 @@
             <a:spLocks noGrp="1"/>
           </p:cNvSpPr>
           <p:nvPr>
-            <p:ph type="ftr" sz="quarter" idx="16"/>
-          </p:nvPr>
-        </p:nvSpPr>
-        <p:spPr/>
-        <p:txBody>
-          <a:bodyPr/>
-          <a:lstStyle/>
-          <a:p>
-            <a:r>
-              <a:rPr lang="en-US" dirty="0"/>
+            <p:ph type="ftr" sz="quarter" idx="12"/>
+          </p:nvPr>
+        </p:nvSpPr>
+        <p:spPr/>
+        <p:txBody>
+          <a:bodyPr/>
+          <a:lstStyle/>
+          <a:p>
+            <a:r>
+              <a:rPr lang="en-US"/>
               <a:t>Common Risk Concepts </a:t>
             </a:r>
-          </a:p>
-        </p:txBody>
-      </p:sp>
-      <p:sp>
-        <p:nvSpPr>
-          <p:cNvPr id="6" name="Title 5"/>
+            <a:endParaRPr lang="en-US" dirty="0"/>
+          </a:p>
+        </p:txBody>
+      </p:sp>
+      <p:sp>
+        <p:nvSpPr>
+          <p:cNvPr id="5" name="Title 4"/>
           <p:cNvSpPr>
             <a:spLocks noGrp="1"/>
           </p:cNvSpPr>
@@ -7804,20 +7387,46 @@
         </p:nvSpPr>
         <p:spPr/>
         <p:txBody>
-          <a:bodyPr/>
-          <a:lstStyle/>
-          <a:p>
-            <a:r>
-              <a:rPr lang="en-US" dirty="0"/>
-              <a:t>Proposed Approach</a:t>
-            </a:r>
-          </a:p>
-        </p:txBody>
-      </p:sp>
+          <a:bodyPr>
+            <a:normAutofit fontScale="90000"/>
+          </a:bodyPr>
+          <a:lstStyle/>
+          <a:p>
+            <a:r>
+              <a:rPr lang="en-US" dirty="0"/>
+              <a:t>Impact Categories</a:t>
+            </a:r>
+          </a:p>
+        </p:txBody>
+      </p:sp>
+      <p:pic>
+        <p:nvPicPr>
+          <p:cNvPr id="8" name="Picture 7"/>
+          <p:cNvPicPr>
+            <a:picLocks noChangeAspect="1"/>
+          </p:cNvPicPr>
+          <p:nvPr/>
+        </p:nvPicPr>
+        <p:blipFill>
+          <a:blip r:embed="rId2"/>
+          <a:stretch>
+            <a:fillRect/>
+          </a:stretch>
+        </p:blipFill>
+        <p:spPr>
+          <a:xfrm>
+            <a:off x="990600" y="810610"/>
+            <a:ext cx="7549587" cy="5739390"/>
+          </a:xfrm>
+          <a:prstGeom prst="rect">
+            <a:avLst/>
+          </a:prstGeom>
+        </p:spPr>
+      </p:pic>
     </p:spTree>
     <p:extLst>
       <p:ext uri="{BB962C8B-B14F-4D97-AF65-F5344CB8AC3E}">
-        <p14:creationId xmlns:p14="http://schemas.microsoft.com/office/powerpoint/2010/main" val="1167632270"/>
+        <p14:creationId xmlns:p14="http://schemas.microsoft.com/office/powerpoint/2010/main" val="2056885082"/>
       </p:ext>
     </p:extLst>
   </p:cSld>
@@ -7846,7 +7455,1013 @@
       </p:grpSpPr>
       <p:sp>
         <p:nvSpPr>
-          <p:cNvPr id="6" name="Content Placeholder 5"/>
+          <p:cNvPr id="2" name="Date Placeholder 1"/>
+          <p:cNvSpPr>
+            <a:spLocks noGrp="1"/>
+          </p:cNvSpPr>
+          <p:nvPr>
+            <p:ph type="dt" sz="half" idx="10"/>
+          </p:nvPr>
+        </p:nvSpPr>
+        <p:spPr/>
+        <p:txBody>
+          <a:bodyPr/>
+          <a:lstStyle/>
+          <a:p>
+            <a:r>
+              <a:rPr lang="en-US"/>
+              <a:t>June 2017</a:t>
+            </a:r>
+            <a:endParaRPr lang="en-US" dirty="0"/>
+          </a:p>
+        </p:txBody>
+      </p:sp>
+      <p:sp>
+        <p:nvSpPr>
+          <p:cNvPr id="3" name="Slide Number Placeholder 2"/>
+          <p:cNvSpPr>
+            <a:spLocks noGrp="1"/>
+          </p:cNvSpPr>
+          <p:nvPr>
+            <p:ph type="sldNum" sz="quarter" idx="11"/>
+          </p:nvPr>
+        </p:nvSpPr>
+        <p:spPr/>
+        <p:txBody>
+          <a:bodyPr/>
+          <a:lstStyle/>
+          <a:p>
+            <a:fld id="{C5349D12-3EF0-44B0-8484-0F10BE0E01DA}" type="slidenum">
+              <a:rPr lang="en-US" smtClean="0"/>
+              <a:t>23</a:t>
+            </a:fld>
+            <a:endParaRPr lang="en-US"/>
+          </a:p>
+        </p:txBody>
+      </p:sp>
+      <p:sp>
+        <p:nvSpPr>
+          <p:cNvPr id="4" name="Footer Placeholder 3"/>
+          <p:cNvSpPr>
+            <a:spLocks noGrp="1"/>
+          </p:cNvSpPr>
+          <p:nvPr>
+            <p:ph type="ftr" sz="quarter" idx="12"/>
+          </p:nvPr>
+        </p:nvSpPr>
+        <p:spPr/>
+        <p:txBody>
+          <a:bodyPr/>
+          <a:lstStyle/>
+          <a:p>
+            <a:r>
+              <a:rPr lang="en-US"/>
+              <a:t>Common Risk Concepts </a:t>
+            </a:r>
+            <a:endParaRPr lang="en-US" dirty="0"/>
+          </a:p>
+        </p:txBody>
+      </p:sp>
+      <p:sp>
+        <p:nvSpPr>
+          <p:cNvPr id="5" name="Title 4"/>
+          <p:cNvSpPr>
+            <a:spLocks noGrp="1"/>
+          </p:cNvSpPr>
+          <p:nvPr>
+            <p:ph type="title"/>
+          </p:nvPr>
+        </p:nvSpPr>
+        <p:spPr/>
+        <p:txBody>
+          <a:bodyPr>
+            <a:normAutofit fontScale="90000"/>
+          </a:bodyPr>
+          <a:lstStyle/>
+          <a:p>
+            <a:r>
+              <a:rPr lang="en-US" dirty="0"/>
+              <a:t>Source of danger categories</a:t>
+            </a:r>
+          </a:p>
+        </p:txBody>
+      </p:sp>
+      <p:pic>
+        <p:nvPicPr>
+          <p:cNvPr id="7" name="Picture 6"/>
+          <p:cNvPicPr>
+            <a:picLocks noChangeAspect="1"/>
+          </p:cNvPicPr>
+          <p:nvPr/>
+        </p:nvPicPr>
+        <p:blipFill>
+          <a:blip r:embed="rId2"/>
+          <a:stretch>
+            <a:fillRect/>
+          </a:stretch>
+        </p:blipFill>
+        <p:spPr>
+          <a:xfrm>
+            <a:off x="1496621" y="911260"/>
+            <a:ext cx="6363498" cy="5950284"/>
+          </a:xfrm>
+          <a:prstGeom prst="rect">
+            <a:avLst/>
+          </a:prstGeom>
+        </p:spPr>
+      </p:pic>
+    </p:spTree>
+    <p:extLst>
+      <p:ext uri="{BB962C8B-B14F-4D97-AF65-F5344CB8AC3E}">
+        <p14:creationId xmlns:p14="http://schemas.microsoft.com/office/powerpoint/2010/main" val="3064168687"/>
+      </p:ext>
+    </p:extLst>
+  </p:cSld>
+  <p:clrMapOvr>
+    <a:masterClrMapping/>
+  </p:clrMapOvr>
+</p:sld>
+</file>
+
+<file path=ppt/slides/slide24.xml><?xml version="1.0" encoding="utf-8"?>
+<p:sld xmlns:a="http://schemas.openxmlformats.org/drawingml/2006/main" xmlns:r="http://schemas.openxmlformats.org/officeDocument/2006/relationships" xmlns:p="http://schemas.openxmlformats.org/presentationml/2006/main">
+  <p:cSld>
+    <p:spTree>
+      <p:nvGrpSpPr>
+        <p:cNvPr id="1" name=""/>
+        <p:cNvGrpSpPr/>
+        <p:nvPr/>
+      </p:nvGrpSpPr>
+      <p:grpSpPr>
+        <a:xfrm>
+          <a:off x="0" y="0"/>
+          <a:ext cx="0" cy="0"/>
+          <a:chOff x="0" y="0"/>
+          <a:chExt cx="0" cy="0"/>
+        </a:xfrm>
+      </p:grpSpPr>
+      <p:sp>
+        <p:nvSpPr>
+          <p:cNvPr id="2" name="Date Placeholder 1"/>
+          <p:cNvSpPr>
+            <a:spLocks noGrp="1"/>
+          </p:cNvSpPr>
+          <p:nvPr>
+            <p:ph type="dt" sz="half" idx="10"/>
+          </p:nvPr>
+        </p:nvSpPr>
+        <p:spPr/>
+        <p:txBody>
+          <a:bodyPr/>
+          <a:lstStyle/>
+          <a:p>
+            <a:r>
+              <a:rPr lang="en-US"/>
+              <a:t>June 2017</a:t>
+            </a:r>
+            <a:endParaRPr lang="en-US" dirty="0"/>
+          </a:p>
+        </p:txBody>
+      </p:sp>
+      <p:sp>
+        <p:nvSpPr>
+          <p:cNvPr id="3" name="Slide Number Placeholder 2"/>
+          <p:cNvSpPr>
+            <a:spLocks noGrp="1"/>
+          </p:cNvSpPr>
+          <p:nvPr>
+            <p:ph type="sldNum" sz="quarter" idx="11"/>
+          </p:nvPr>
+        </p:nvSpPr>
+        <p:spPr/>
+        <p:txBody>
+          <a:bodyPr/>
+          <a:lstStyle/>
+          <a:p>
+            <a:fld id="{C5349D12-3EF0-44B0-8484-0F10BE0E01DA}" type="slidenum">
+              <a:rPr lang="en-US" smtClean="0"/>
+              <a:t>24</a:t>
+            </a:fld>
+            <a:endParaRPr lang="en-US"/>
+          </a:p>
+        </p:txBody>
+      </p:sp>
+      <p:sp>
+        <p:nvSpPr>
+          <p:cNvPr id="4" name="Footer Placeholder 3"/>
+          <p:cNvSpPr>
+            <a:spLocks noGrp="1"/>
+          </p:cNvSpPr>
+          <p:nvPr>
+            <p:ph type="ftr" sz="quarter" idx="12"/>
+          </p:nvPr>
+        </p:nvSpPr>
+        <p:spPr/>
+        <p:txBody>
+          <a:bodyPr/>
+          <a:lstStyle/>
+          <a:p>
+            <a:r>
+              <a:rPr lang="en-US"/>
+              <a:t>Common Risk Concepts </a:t>
+            </a:r>
+            <a:endParaRPr lang="en-US" dirty="0"/>
+          </a:p>
+        </p:txBody>
+      </p:sp>
+      <p:sp>
+        <p:nvSpPr>
+          <p:cNvPr id="5" name="Title 4"/>
+          <p:cNvSpPr>
+            <a:spLocks noGrp="1"/>
+          </p:cNvSpPr>
+          <p:nvPr>
+            <p:ph type="title"/>
+          </p:nvPr>
+        </p:nvSpPr>
+        <p:spPr/>
+        <p:txBody>
+          <a:bodyPr>
+            <a:normAutofit fontScale="90000"/>
+          </a:bodyPr>
+          <a:lstStyle/>
+          <a:p>
+            <a:r>
+              <a:rPr lang="en-US" dirty="0"/>
+              <a:t>Failure Categories</a:t>
+            </a:r>
+          </a:p>
+        </p:txBody>
+      </p:sp>
+      <p:pic>
+        <p:nvPicPr>
+          <p:cNvPr id="6" name="Picture 5"/>
+          <p:cNvPicPr>
+            <a:picLocks noChangeAspect="1"/>
+          </p:cNvPicPr>
+          <p:nvPr/>
+        </p:nvPicPr>
+        <p:blipFill>
+          <a:blip r:embed="rId2"/>
+          <a:stretch>
+            <a:fillRect/>
+          </a:stretch>
+        </p:blipFill>
+        <p:spPr>
+          <a:xfrm>
+            <a:off x="1981200" y="1043471"/>
+            <a:ext cx="4926984" cy="5358730"/>
+          </a:xfrm>
+          <a:prstGeom prst="rect">
+            <a:avLst/>
+          </a:prstGeom>
+        </p:spPr>
+      </p:pic>
+    </p:spTree>
+    <p:extLst>
+      <p:ext uri="{BB962C8B-B14F-4D97-AF65-F5344CB8AC3E}">
+        <p14:creationId xmlns:p14="http://schemas.microsoft.com/office/powerpoint/2010/main" val="2577170676"/>
+      </p:ext>
+    </p:extLst>
+  </p:cSld>
+  <p:clrMapOvr>
+    <a:masterClrMapping/>
+  </p:clrMapOvr>
+</p:sld>
+</file>
+
+<file path=ppt/slides/slide25.xml><?xml version="1.0" encoding="utf-8"?>
+<p:sld xmlns:a="http://schemas.openxmlformats.org/drawingml/2006/main" xmlns:r="http://schemas.openxmlformats.org/officeDocument/2006/relationships" xmlns:p="http://schemas.openxmlformats.org/presentationml/2006/main">
+  <p:cSld>
+    <p:spTree>
+      <p:nvGrpSpPr>
+        <p:cNvPr id="1" name=""/>
+        <p:cNvGrpSpPr/>
+        <p:nvPr/>
+      </p:nvGrpSpPr>
+      <p:grpSpPr>
+        <a:xfrm>
+          <a:off x="0" y="0"/>
+          <a:ext cx="0" cy="0"/>
+          <a:chOff x="0" y="0"/>
+          <a:chExt cx="0" cy="0"/>
+        </a:xfrm>
+      </p:grpSpPr>
+      <p:sp>
+        <p:nvSpPr>
+          <p:cNvPr id="2" name="Date Placeholder 1"/>
+          <p:cNvSpPr>
+            <a:spLocks noGrp="1"/>
+          </p:cNvSpPr>
+          <p:nvPr>
+            <p:ph type="dt" sz="half" idx="10"/>
+          </p:nvPr>
+        </p:nvSpPr>
+        <p:spPr/>
+        <p:txBody>
+          <a:bodyPr/>
+          <a:lstStyle/>
+          <a:p>
+            <a:r>
+              <a:rPr lang="en-US" dirty="0"/>
+              <a:t>June 2017</a:t>
+            </a:r>
+          </a:p>
+        </p:txBody>
+      </p:sp>
+      <p:sp>
+        <p:nvSpPr>
+          <p:cNvPr id="3" name="Slide Number Placeholder 2"/>
+          <p:cNvSpPr>
+            <a:spLocks noGrp="1"/>
+          </p:cNvSpPr>
+          <p:nvPr>
+            <p:ph type="sldNum" sz="quarter" idx="11"/>
+          </p:nvPr>
+        </p:nvSpPr>
+        <p:spPr/>
+        <p:txBody>
+          <a:bodyPr/>
+          <a:lstStyle/>
+          <a:p>
+            <a:fld id="{C5349D12-3EF0-44B0-8484-0F10BE0E01DA}" type="slidenum">
+              <a:rPr lang="en-US" smtClean="0"/>
+              <a:t>25</a:t>
+            </a:fld>
+            <a:endParaRPr lang="en-US"/>
+          </a:p>
+        </p:txBody>
+      </p:sp>
+      <p:sp>
+        <p:nvSpPr>
+          <p:cNvPr id="4" name="Footer Placeholder 3"/>
+          <p:cNvSpPr>
+            <a:spLocks noGrp="1"/>
+          </p:cNvSpPr>
+          <p:nvPr>
+            <p:ph type="ftr" sz="quarter" idx="12"/>
+          </p:nvPr>
+        </p:nvSpPr>
+        <p:spPr/>
+        <p:txBody>
+          <a:bodyPr/>
+          <a:lstStyle/>
+          <a:p>
+            <a:r>
+              <a:rPr lang="en-US" dirty="0"/>
+              <a:t>Common Risk Concepts </a:t>
+            </a:r>
+          </a:p>
+        </p:txBody>
+      </p:sp>
+      <p:sp>
+        <p:nvSpPr>
+          <p:cNvPr id="5" name="Title 4"/>
+          <p:cNvSpPr>
+            <a:spLocks noGrp="1"/>
+          </p:cNvSpPr>
+          <p:nvPr>
+            <p:ph type="title"/>
+          </p:nvPr>
+        </p:nvSpPr>
+        <p:spPr/>
+        <p:txBody>
+          <a:bodyPr>
+            <a:normAutofit fontScale="90000"/>
+          </a:bodyPr>
+          <a:lstStyle/>
+          <a:p>
+            <a:r>
+              <a:rPr lang="en-US" dirty="0"/>
+              <a:t>Threat/Risk Packages</a:t>
+            </a:r>
+          </a:p>
+        </p:txBody>
+      </p:sp>
+      <p:pic>
+        <p:nvPicPr>
+          <p:cNvPr id="7" name="Picture 6"/>
+          <p:cNvPicPr>
+            <a:picLocks noChangeAspect="1"/>
+          </p:cNvPicPr>
+          <p:nvPr/>
+        </p:nvPicPr>
+        <p:blipFill>
+          <a:blip r:embed="rId2"/>
+          <a:stretch>
+            <a:fillRect/>
+          </a:stretch>
+        </p:blipFill>
+        <p:spPr>
+          <a:xfrm>
+            <a:off x="1447800" y="1021403"/>
+            <a:ext cx="6330464" cy="5339070"/>
+          </a:xfrm>
+          <a:prstGeom prst="rect">
+            <a:avLst/>
+          </a:prstGeom>
+        </p:spPr>
+      </p:pic>
+    </p:spTree>
+    <p:extLst>
+      <p:ext uri="{BB962C8B-B14F-4D97-AF65-F5344CB8AC3E}">
+        <p14:creationId xmlns:p14="http://schemas.microsoft.com/office/powerpoint/2010/main" val="2715667735"/>
+      </p:ext>
+    </p:extLst>
+  </p:cSld>
+  <p:clrMapOvr>
+    <a:masterClrMapping/>
+  </p:clrMapOvr>
+</p:sld>
+</file>
+
+<file path=ppt/slides/slide26.xml><?xml version="1.0" encoding="utf-8"?>
+<p:sld xmlns:a="http://schemas.openxmlformats.org/drawingml/2006/main" xmlns:r="http://schemas.openxmlformats.org/officeDocument/2006/relationships" xmlns:p="http://schemas.openxmlformats.org/presentationml/2006/main">
+  <p:cSld>
+    <p:spTree>
+      <p:nvGrpSpPr>
+        <p:cNvPr id="1" name=""/>
+        <p:cNvGrpSpPr/>
+        <p:nvPr/>
+      </p:nvGrpSpPr>
+      <p:grpSpPr>
+        <a:xfrm>
+          <a:off x="0" y="0"/>
+          <a:ext cx="0" cy="0"/>
+          <a:chOff x="0" y="0"/>
+          <a:chExt cx="0" cy="0"/>
+        </a:xfrm>
+      </p:grpSpPr>
+      <p:sp>
+        <p:nvSpPr>
+          <p:cNvPr id="2" name="Date Placeholder 1"/>
+          <p:cNvSpPr>
+            <a:spLocks noGrp="1"/>
+          </p:cNvSpPr>
+          <p:nvPr>
+            <p:ph type="dt" sz="half" idx="10"/>
+          </p:nvPr>
+        </p:nvSpPr>
+        <p:spPr/>
+        <p:txBody>
+          <a:bodyPr/>
+          <a:lstStyle/>
+          <a:p>
+            <a:r>
+              <a:rPr lang="en-US" dirty="0"/>
+              <a:t>June 2017</a:t>
+            </a:r>
+          </a:p>
+        </p:txBody>
+      </p:sp>
+      <p:sp>
+        <p:nvSpPr>
+          <p:cNvPr id="3" name="Slide Number Placeholder 2"/>
+          <p:cNvSpPr>
+            <a:spLocks noGrp="1"/>
+          </p:cNvSpPr>
+          <p:nvPr>
+            <p:ph type="sldNum" sz="quarter" idx="11"/>
+          </p:nvPr>
+        </p:nvSpPr>
+        <p:spPr/>
+        <p:txBody>
+          <a:bodyPr/>
+          <a:lstStyle/>
+          <a:p>
+            <a:fld id="{C5349D12-3EF0-44B0-8484-0F10BE0E01DA}" type="slidenum">
+              <a:rPr lang="en-US" smtClean="0"/>
+              <a:t>26</a:t>
+            </a:fld>
+            <a:endParaRPr lang="en-US"/>
+          </a:p>
+        </p:txBody>
+      </p:sp>
+      <p:sp>
+        <p:nvSpPr>
+          <p:cNvPr id="4" name="Footer Placeholder 3"/>
+          <p:cNvSpPr>
+            <a:spLocks noGrp="1"/>
+          </p:cNvSpPr>
+          <p:nvPr>
+            <p:ph type="ftr" sz="quarter" idx="12"/>
+          </p:nvPr>
+        </p:nvSpPr>
+        <p:spPr/>
+        <p:txBody>
+          <a:bodyPr/>
+          <a:lstStyle/>
+          <a:p>
+            <a:r>
+              <a:rPr lang="en-US" dirty="0"/>
+              <a:t>Common Risk Concepts </a:t>
+            </a:r>
+          </a:p>
+        </p:txBody>
+      </p:sp>
+      <p:sp>
+        <p:nvSpPr>
+          <p:cNvPr id="5" name="Title 4"/>
+          <p:cNvSpPr>
+            <a:spLocks noGrp="1"/>
+          </p:cNvSpPr>
+          <p:nvPr>
+            <p:ph type="title"/>
+          </p:nvPr>
+        </p:nvSpPr>
+        <p:spPr/>
+        <p:txBody>
+          <a:bodyPr>
+            <a:normAutofit fontScale="90000"/>
+          </a:bodyPr>
+          <a:lstStyle/>
+          <a:p>
+            <a:r>
+              <a:rPr lang="en-US" dirty="0"/>
+              <a:t>Generic Concept Library Packages</a:t>
+            </a:r>
+          </a:p>
+        </p:txBody>
+      </p:sp>
+      <p:sp>
+        <p:nvSpPr>
+          <p:cNvPr id="6" name="Rectangle 5"/>
+          <p:cNvSpPr/>
+          <p:nvPr/>
+        </p:nvSpPr>
+        <p:spPr>
+          <a:xfrm>
+            <a:off x="868680" y="1182425"/>
+            <a:ext cx="6705600" cy="5066644"/>
+          </a:xfrm>
+          <a:prstGeom prst="rect">
+            <a:avLst/>
+          </a:prstGeom>
+        </p:spPr>
+        <p:txBody>
+          <a:bodyPr wrap="square" numCol="3">
+            <a:noAutofit/>
+          </a:bodyPr>
+          <a:lstStyle/>
+          <a:p>
+            <a:pPr>
+              <a:buFont typeface="Arial" panose="020B0604020202020204" pitchFamily="34" charset="0"/>
+              <a:buChar char="•"/>
+            </a:pPr>
+            <a:r>
+              <a:rPr lang="en-US" dirty="0"/>
+              <a:t>Assessments</a:t>
+            </a:r>
+          </a:p>
+          <a:p>
+            <a:pPr>
+              <a:buFont typeface="Arial" panose="020B0604020202020204" pitchFamily="34" charset="0"/>
+              <a:buChar char="•"/>
+            </a:pPr>
+            <a:r>
+              <a:rPr lang="en-US" dirty="0"/>
+              <a:t>Contact Information</a:t>
+            </a:r>
+          </a:p>
+          <a:p>
+            <a:pPr>
+              <a:buFont typeface="Arial" panose="020B0604020202020204" pitchFamily="34" charset="0"/>
+              <a:buChar char="•"/>
+            </a:pPr>
+            <a:r>
+              <a:rPr lang="en-US" dirty="0"/>
+              <a:t>Abilities</a:t>
+            </a:r>
+          </a:p>
+          <a:p>
+            <a:pPr>
+              <a:buFont typeface="Arial" panose="020B0604020202020204" pitchFamily="34" charset="0"/>
+              <a:buChar char="•"/>
+            </a:pPr>
+            <a:r>
+              <a:rPr lang="en-US" dirty="0"/>
+              <a:t>Composite Conditions</a:t>
+            </a:r>
+          </a:p>
+          <a:p>
+            <a:pPr>
+              <a:buFont typeface="Arial" panose="020B0604020202020204" pitchFamily="34" charset="0"/>
+              <a:buChar char="•"/>
+            </a:pPr>
+            <a:r>
+              <a:rPr lang="en-US" dirty="0"/>
+              <a:t>Containment</a:t>
+            </a:r>
+          </a:p>
+          <a:p>
+            <a:pPr>
+              <a:buFont typeface="Arial" panose="020B0604020202020204" pitchFamily="34" charset="0"/>
+              <a:buChar char="•"/>
+            </a:pPr>
+            <a:r>
+              <a:rPr lang="en-US" dirty="0"/>
+              <a:t>Control</a:t>
+            </a:r>
+          </a:p>
+          <a:p>
+            <a:pPr>
+              <a:buFont typeface="Arial" panose="020B0604020202020204" pitchFamily="34" charset="0"/>
+              <a:buChar char="•"/>
+            </a:pPr>
+            <a:r>
+              <a:rPr lang="en-US" dirty="0"/>
+              <a:t>Credentials</a:t>
+            </a:r>
+          </a:p>
+          <a:p>
+            <a:pPr>
+              <a:buFont typeface="Arial" panose="020B0604020202020204" pitchFamily="34" charset="0"/>
+              <a:buChar char="•"/>
+            </a:pPr>
+            <a:r>
+              <a:rPr lang="en-US" dirty="0"/>
+              <a:t>Cyber</a:t>
+            </a:r>
+          </a:p>
+          <a:p>
+            <a:pPr>
+              <a:buFont typeface="Arial" panose="020B0604020202020204" pitchFamily="34" charset="0"/>
+              <a:buChar char="•"/>
+            </a:pPr>
+            <a:r>
+              <a:rPr lang="en-US" dirty="0"/>
+              <a:t>Enterprises</a:t>
+            </a:r>
+          </a:p>
+          <a:p>
+            <a:pPr>
+              <a:buFont typeface="Arial" panose="020B0604020202020204" pitchFamily="34" charset="0"/>
+              <a:buChar char="•"/>
+            </a:pPr>
+            <a:r>
+              <a:rPr lang="en-US" dirty="0"/>
+              <a:t>Corporations</a:t>
+            </a:r>
+          </a:p>
+          <a:p>
+            <a:pPr>
+              <a:buFont typeface="Arial" panose="020B0604020202020204" pitchFamily="34" charset="0"/>
+              <a:buChar char="•"/>
+            </a:pPr>
+            <a:r>
+              <a:rPr lang="en-US" dirty="0"/>
+              <a:t>Entities</a:t>
+            </a:r>
+          </a:p>
+          <a:p>
+            <a:pPr>
+              <a:buFont typeface="Arial" panose="020B0604020202020204" pitchFamily="34" charset="0"/>
+              <a:buChar char="•"/>
+            </a:pPr>
+            <a:r>
+              <a:rPr lang="en-US" dirty="0"/>
+              <a:t>Occurrences</a:t>
+            </a:r>
+          </a:p>
+          <a:p>
+            <a:pPr>
+              <a:buFont typeface="Arial" panose="020B0604020202020204" pitchFamily="34" charset="0"/>
+              <a:buChar char="•"/>
+            </a:pPr>
+            <a:r>
+              <a:rPr lang="en-US" dirty="0"/>
+              <a:t>Geopolitical Organizations</a:t>
+            </a:r>
+          </a:p>
+          <a:p>
+            <a:pPr>
+              <a:buFont typeface="Arial" panose="020B0604020202020204" pitchFamily="34" charset="0"/>
+              <a:buChar char="•"/>
+            </a:pPr>
+            <a:r>
+              <a:rPr lang="en-US" dirty="0"/>
+              <a:t>Entities</a:t>
+            </a:r>
+          </a:p>
+          <a:p>
+            <a:pPr>
+              <a:buFont typeface="Arial" panose="020B0604020202020204" pitchFamily="34" charset="0"/>
+              <a:buChar char="•"/>
+            </a:pPr>
+            <a:r>
+              <a:rPr lang="en-US" dirty="0"/>
+              <a:t>Observations</a:t>
+            </a:r>
+          </a:p>
+          <a:p>
+            <a:pPr>
+              <a:buFont typeface="Arial" panose="020B0604020202020204" pitchFamily="34" charset="0"/>
+              <a:buChar char="•"/>
+            </a:pPr>
+            <a:r>
+              <a:rPr lang="en-US" dirty="0"/>
+              <a:t>Locations</a:t>
+            </a:r>
+          </a:p>
+          <a:p>
+            <a:pPr>
+              <a:buFont typeface="Arial" panose="020B0604020202020204" pitchFamily="34" charset="0"/>
+              <a:buChar char="•"/>
+            </a:pPr>
+            <a:r>
+              <a:rPr lang="en-US" dirty="0"/>
+              <a:t>Objectives</a:t>
+            </a:r>
+          </a:p>
+          <a:p>
+            <a:pPr>
+              <a:buFont typeface="Arial" panose="020B0604020202020204" pitchFamily="34" charset="0"/>
+              <a:buChar char="•"/>
+            </a:pPr>
+            <a:r>
+              <a:rPr lang="en-US" dirty="0"/>
+              <a:t>Information</a:t>
+            </a:r>
+          </a:p>
+          <a:p>
+            <a:pPr>
+              <a:buFont typeface="Arial" panose="020B0604020202020204" pitchFamily="34" charset="0"/>
+              <a:buChar char="•"/>
+            </a:pPr>
+            <a:r>
+              <a:rPr lang="en-US" dirty="0"/>
+              <a:t>Identifiers and Coordinates</a:t>
+            </a:r>
+          </a:p>
+          <a:p>
+            <a:pPr>
+              <a:buFont typeface="Arial" panose="020B0604020202020204" pitchFamily="34" charset="0"/>
+              <a:buChar char="•"/>
+            </a:pPr>
+            <a:r>
+              <a:rPr lang="en-US" dirty="0"/>
+              <a:t>Permissions</a:t>
+            </a:r>
+          </a:p>
+          <a:p>
+            <a:pPr>
+              <a:buFont typeface="Arial" panose="020B0604020202020204" pitchFamily="34" charset="0"/>
+              <a:buChar char="•"/>
+            </a:pPr>
+            <a:r>
+              <a:rPr lang="en-US" dirty="0"/>
+              <a:t>Organizations</a:t>
+            </a:r>
+          </a:p>
+          <a:p>
+            <a:pPr>
+              <a:buFont typeface="Arial" panose="020B0604020202020204" pitchFamily="34" charset="0"/>
+              <a:buChar char="•"/>
+            </a:pPr>
+            <a:r>
+              <a:rPr lang="en-US" dirty="0"/>
+              <a:t>Places</a:t>
+            </a:r>
+          </a:p>
+          <a:p>
+            <a:pPr>
+              <a:buFont typeface="Arial" panose="020B0604020202020204" pitchFamily="34" charset="0"/>
+              <a:buChar char="•"/>
+            </a:pPr>
+            <a:r>
+              <a:rPr lang="en-US" dirty="0"/>
+              <a:t>Persons</a:t>
+            </a:r>
+          </a:p>
+          <a:p>
+            <a:pPr>
+              <a:buFont typeface="Arial" panose="020B0604020202020204" pitchFamily="34" charset="0"/>
+              <a:buChar char="•"/>
+            </a:pPr>
+            <a:r>
+              <a:rPr lang="en-US" dirty="0"/>
+              <a:t>Physical Entities</a:t>
+            </a:r>
+          </a:p>
+          <a:p>
+            <a:pPr>
+              <a:buFont typeface="Arial" panose="020B0604020202020204" pitchFamily="34" charset="0"/>
+              <a:buChar char="•"/>
+            </a:pPr>
+            <a:r>
+              <a:rPr lang="en-US" dirty="0"/>
+              <a:t>Processes</a:t>
+            </a:r>
+          </a:p>
+          <a:p>
+            <a:pPr>
+              <a:buFont typeface="Arial" panose="020B0604020202020204" pitchFamily="34" charset="0"/>
+              <a:buChar char="•"/>
+            </a:pPr>
+            <a:r>
+              <a:rPr lang="en-US" dirty="0"/>
+              <a:t>Process Effects</a:t>
+            </a:r>
+          </a:p>
+          <a:p>
+            <a:pPr>
+              <a:buFont typeface="Arial" panose="020B0604020202020204" pitchFamily="34" charset="0"/>
+              <a:buChar char="•"/>
+            </a:pPr>
+            <a:r>
+              <a:rPr lang="en-US" dirty="0"/>
+              <a:t>Policies</a:t>
+            </a:r>
+          </a:p>
+          <a:p>
+            <a:pPr>
+              <a:buFont typeface="Arial" panose="020B0604020202020204" pitchFamily="34" charset="0"/>
+              <a:buChar char="•"/>
+            </a:pPr>
+            <a:r>
+              <a:rPr lang="en-US" dirty="0"/>
+              <a:t>Predictions</a:t>
+            </a:r>
+          </a:p>
+          <a:p>
+            <a:pPr>
+              <a:buFont typeface="Arial" panose="020B0604020202020204" pitchFamily="34" charset="0"/>
+              <a:buChar char="•"/>
+            </a:pPr>
+            <a:r>
+              <a:rPr lang="en-US" dirty="0"/>
+              <a:t>Quantities and Units</a:t>
+            </a:r>
+          </a:p>
+          <a:p>
+            <a:pPr>
+              <a:buFont typeface="Arial" panose="020B0604020202020204" pitchFamily="34" charset="0"/>
+              <a:buChar char="•"/>
+            </a:pPr>
+            <a:r>
+              <a:rPr lang="en-US" dirty="0"/>
+              <a:t>Resources</a:t>
+            </a:r>
+          </a:p>
+          <a:p>
+            <a:pPr>
+              <a:buFont typeface="Arial" panose="020B0604020202020204" pitchFamily="34" charset="0"/>
+              <a:buChar char="•"/>
+            </a:pPr>
+            <a:r>
+              <a:rPr lang="en-US" dirty="0"/>
+              <a:t>Response</a:t>
+            </a:r>
+          </a:p>
+          <a:p>
+            <a:pPr>
+              <a:buFont typeface="Arial" panose="020B0604020202020204" pitchFamily="34" charset="0"/>
+              <a:buChar char="•"/>
+            </a:pPr>
+            <a:r>
+              <a:rPr lang="en-US" dirty="0"/>
+              <a:t>Quantity Kinds</a:t>
+            </a:r>
+          </a:p>
+          <a:p>
+            <a:pPr>
+              <a:buFont typeface="Arial" panose="020B0604020202020204" pitchFamily="34" charset="0"/>
+              <a:buChar char="•"/>
+            </a:pPr>
+            <a:r>
+              <a:rPr lang="en-US" dirty="0"/>
+              <a:t>Scenarios</a:t>
+            </a:r>
+          </a:p>
+          <a:p>
+            <a:pPr>
+              <a:buFont typeface="Arial" panose="020B0604020202020204" pitchFamily="34" charset="0"/>
+              <a:buChar char="•"/>
+            </a:pPr>
+            <a:r>
+              <a:rPr lang="en-US" dirty="0"/>
+              <a:t>Situations</a:t>
+            </a:r>
+          </a:p>
+          <a:p>
+            <a:pPr>
+              <a:buFont typeface="Arial" panose="020B0604020202020204" pitchFamily="34" charset="0"/>
+              <a:buChar char="•"/>
+            </a:pPr>
+            <a:r>
+              <a:rPr lang="en-US" dirty="0"/>
+              <a:t>Social Agents</a:t>
+            </a:r>
+          </a:p>
+          <a:p>
+            <a:pPr>
+              <a:buFont typeface="Arial" panose="020B0604020202020204" pitchFamily="34" charset="0"/>
+              <a:buChar char="•"/>
+            </a:pPr>
+            <a:r>
+              <a:rPr lang="en-US" dirty="0"/>
+              <a:t>Systems</a:t>
+            </a:r>
+          </a:p>
+          <a:p>
+            <a:pPr>
+              <a:buFont typeface="Arial" panose="020B0604020202020204" pitchFamily="34" charset="0"/>
+              <a:buChar char="•"/>
+            </a:pPr>
+            <a:r>
+              <a:rPr lang="en-US" dirty="0"/>
+              <a:t>Units</a:t>
+            </a:r>
+          </a:p>
+          <a:p>
+            <a:pPr>
+              <a:buFont typeface="Arial" panose="020B0604020202020204" pitchFamily="34" charset="0"/>
+              <a:buChar char="•"/>
+            </a:pPr>
+            <a:r>
+              <a:rPr lang="en-US" dirty="0"/>
+              <a:t>Vendors and Producers</a:t>
+            </a:r>
+          </a:p>
+          <a:p>
+            <a:pPr>
+              <a:buFont typeface="Arial" panose="020B0604020202020204" pitchFamily="34" charset="0"/>
+              <a:buChar char="•"/>
+            </a:pPr>
+            <a:r>
+              <a:rPr lang="en-US" dirty="0"/>
+              <a:t>Time &amp; Temporal Entities</a:t>
+            </a:r>
+          </a:p>
+        </p:txBody>
+      </p:sp>
+      <p:sp>
+        <p:nvSpPr>
+          <p:cNvPr id="7" name="TextBox 6"/>
+          <p:cNvSpPr txBox="1"/>
+          <p:nvPr/>
+        </p:nvSpPr>
+        <p:spPr>
+          <a:xfrm>
+            <a:off x="6065874" y="4317165"/>
+            <a:ext cx="2667000" cy="1938992"/>
+          </a:xfrm>
+          <a:prstGeom prst="rect">
+            <a:avLst/>
+          </a:prstGeom>
+          <a:noFill/>
+        </p:spPr>
+        <p:txBody>
+          <a:bodyPr wrap="square" rtlCol="0">
+            <a:spAutoFit/>
+          </a:bodyPr>
+          <a:lstStyle/>
+          <a:p>
+            <a:pPr algn="ctr"/>
+            <a:r>
+              <a:rPr lang="en-US" sz="2000" dirty="0">
+                <a:solidFill>
+                  <a:srgbClr val="FFFF00"/>
+                </a:solidFill>
+              </a:rPr>
+              <a:t>Topics related to sharing and federating information relative to threats and risks but not specific to threats or risks</a:t>
+            </a:r>
+          </a:p>
+        </p:txBody>
+      </p:sp>
+    </p:spTree>
+    <p:extLst>
+      <p:ext uri="{BB962C8B-B14F-4D97-AF65-F5344CB8AC3E}">
+        <p14:creationId xmlns:p14="http://schemas.microsoft.com/office/powerpoint/2010/main" val="116702190"/>
+      </p:ext>
+    </p:extLst>
+  </p:cSld>
+  <p:clrMapOvr>
+    <a:masterClrMapping/>
+  </p:clrMapOvr>
+</p:sld>
+</file>
+
+<file path=ppt/slides/slide27.xml><?xml version="1.0" encoding="utf-8"?>
+<p:sld xmlns:a="http://schemas.openxmlformats.org/drawingml/2006/main" xmlns:r="http://schemas.openxmlformats.org/officeDocument/2006/relationships" xmlns:p="http://schemas.openxmlformats.org/presentationml/2006/main">
+  <p:cSld>
+    <p:spTree>
+      <p:nvGrpSpPr>
+        <p:cNvPr id="1" name=""/>
+        <p:cNvGrpSpPr/>
+        <p:nvPr/>
+      </p:nvGrpSpPr>
+      <p:grpSpPr>
+        <a:xfrm>
+          <a:off x="0" y="0"/>
+          <a:ext cx="0" cy="0"/>
+          <a:chOff x="0" y="0"/>
+          <a:chExt cx="0" cy="0"/>
+        </a:xfrm>
+      </p:grpSpPr>
+      <p:sp>
+        <p:nvSpPr>
+          <p:cNvPr id="7" name="Content Placeholder 6"/>
           <p:cNvSpPr>
             <a:spLocks noGrp="1"/>
           </p:cNvSpPr>
@@ -7856,64 +8471,30 @@
         </p:nvSpPr>
         <p:spPr/>
         <p:txBody>
-          <a:bodyPr>
-            <a:normAutofit fontScale="92500" lnSpcReduction="20000"/>
-          </a:bodyPr>
-          <a:lstStyle/>
-          <a:p>
-            <a:r>
-              <a:rPr lang="en-US" dirty="0"/>
-              <a:t>Federating data and systems with concept models requires, well, concept models.</a:t>
-            </a:r>
-          </a:p>
-          <a:p>
-            <a:r>
-              <a:rPr lang="en-US" dirty="0"/>
-              <a:t>To be mapped, data elements need to be mapped through the same concept or concept pattern</a:t>
-            </a:r>
-          </a:p>
-          <a:p>
-            <a:r>
-              <a:rPr lang="en-US" dirty="0"/>
-              <a:t>There is no expectation of any single “true” concept model</a:t>
-            </a:r>
-          </a:p>
-          <a:p>
-            <a:r>
-              <a:rPr lang="en-US" dirty="0"/>
-              <a:t>We need to collect and curate a library of reference concepts</a:t>
-            </a:r>
-          </a:p>
-          <a:p>
-            <a:r>
-              <a:rPr lang="en-US" dirty="0"/>
-              <a:t>ConceptLibraries.org (a </a:t>
-            </a:r>
-            <a:r>
-              <a:rPr lang="en-US" dirty="0" err="1"/>
-              <a:t>github</a:t>
-            </a:r>
-            <a:r>
-              <a:rPr lang="en-US" dirty="0"/>
-              <a:t> site) is intended for this purpose</a:t>
-            </a:r>
-          </a:p>
-          <a:p>
-            <a:r>
-              <a:rPr lang="en-US" dirty="0"/>
-              <a:t>ConceptLibraries.org is being announced, we invite your participations</a:t>
-            </a:r>
-          </a:p>
-          <a:p>
-            <a:r>
-              <a:rPr lang="en-US" dirty="0"/>
-              <a:t>The models are open source and intended for community use, refinement and extension</a:t>
-            </a:r>
-          </a:p>
-          <a:p>
-            <a:r>
-              <a:rPr lang="en-US" dirty="0"/>
-              <a:t>It is “seeded” with three libraries</a:t>
+          <a:bodyPr/>
+          <a:lstStyle/>
+          <a:p>
+            <a:r>
+              <a:rPr lang="en-US" dirty="0"/>
+              <a:t>Lets provide a foundation for federation of risk concepts, not more stovepipes</a:t>
+            </a:r>
+          </a:p>
+          <a:p>
+            <a:r>
+              <a:rPr lang="en-US" dirty="0"/>
+              <a:t>Work together to define generic cross-domain concept libraries</a:t>
+            </a:r>
+          </a:p>
+          <a:p>
+            <a:r>
+              <a:rPr lang="en-US" dirty="0"/>
+              <a:t>Specialize these for domain and application specific needs</a:t>
+            </a:r>
+          </a:p>
+          <a:p>
+            <a:r>
+              <a:rPr lang="en-US" dirty="0"/>
+              <a:t>Thus providing for cross-domain information sharing, integration and federation.</a:t>
             </a:r>
           </a:p>
           <a:p>
@@ -7923,7 +8504,221 @@
             </a:pPr>
             <a:r>
               <a:rPr lang="en-US" dirty="0"/>
-              <a:t>The domain independent federated concept library</a:t>
+              <a:t>“Domains” are a myth with respect to broad base sharing and federation!</a:t>
+            </a:r>
+          </a:p>
+          <a:p>
+            <a:r>
+              <a:rPr lang="en-US" dirty="0"/>
+              <a:t>Threat/risk and its generic concept library provides a starting point, there are other starting points as well, such as FIBO.</a:t>
+            </a:r>
+          </a:p>
+          <a:p>
+            <a:r>
+              <a:rPr lang="en-US" dirty="0"/>
+              <a:t>To help with this we are starting to publish conceptual models as open source concept libraries.</a:t>
+            </a:r>
+          </a:p>
+          <a:p>
+            <a:r>
+              <a:rPr lang="en-US" dirty="0"/>
+              <a:t>These can then be pulled into OMG vertical specifications as they are needed, but defined and published as cross-domain assets.</a:t>
+            </a:r>
+          </a:p>
+          <a:p>
+            <a:endParaRPr lang="en-US" dirty="0"/>
+          </a:p>
+        </p:txBody>
+      </p:sp>
+      <p:sp>
+        <p:nvSpPr>
+          <p:cNvPr id="2" name="Date Placeholder 1"/>
+          <p:cNvSpPr>
+            <a:spLocks noGrp="1"/>
+          </p:cNvSpPr>
+          <p:nvPr>
+            <p:ph type="dt" sz="half" idx="14"/>
+          </p:nvPr>
+        </p:nvSpPr>
+        <p:spPr/>
+        <p:txBody>
+          <a:bodyPr/>
+          <a:lstStyle/>
+          <a:p>
+            <a:r>
+              <a:rPr lang="en-US" dirty="0"/>
+              <a:t>June 2017</a:t>
+            </a:r>
+          </a:p>
+        </p:txBody>
+      </p:sp>
+      <p:sp>
+        <p:nvSpPr>
+          <p:cNvPr id="3" name="Slide Number Placeholder 2"/>
+          <p:cNvSpPr>
+            <a:spLocks noGrp="1"/>
+          </p:cNvSpPr>
+          <p:nvPr>
+            <p:ph type="sldNum" sz="quarter" idx="15"/>
+          </p:nvPr>
+        </p:nvSpPr>
+        <p:spPr/>
+        <p:txBody>
+          <a:bodyPr/>
+          <a:lstStyle/>
+          <a:p>
+            <a:fld id="{C5349D12-3EF0-44B0-8484-0F10BE0E01DA}" type="slidenum">
+              <a:rPr lang="en-US" smtClean="0"/>
+              <a:t>27</a:t>
+            </a:fld>
+            <a:endParaRPr lang="en-US"/>
+          </a:p>
+        </p:txBody>
+      </p:sp>
+      <p:sp>
+        <p:nvSpPr>
+          <p:cNvPr id="4" name="Footer Placeholder 3"/>
+          <p:cNvSpPr>
+            <a:spLocks noGrp="1"/>
+          </p:cNvSpPr>
+          <p:nvPr>
+            <p:ph type="ftr" sz="quarter" idx="16"/>
+          </p:nvPr>
+        </p:nvSpPr>
+        <p:spPr/>
+        <p:txBody>
+          <a:bodyPr/>
+          <a:lstStyle/>
+          <a:p>
+            <a:r>
+              <a:rPr lang="en-US" dirty="0"/>
+              <a:t>Common Risk Concepts </a:t>
+            </a:r>
+          </a:p>
+        </p:txBody>
+      </p:sp>
+      <p:sp>
+        <p:nvSpPr>
+          <p:cNvPr id="6" name="Title 5"/>
+          <p:cNvSpPr>
+            <a:spLocks noGrp="1"/>
+          </p:cNvSpPr>
+          <p:nvPr>
+            <p:ph type="title"/>
+          </p:nvPr>
+        </p:nvSpPr>
+        <p:spPr/>
+        <p:txBody>
+          <a:bodyPr/>
+          <a:lstStyle/>
+          <a:p>
+            <a:r>
+              <a:rPr lang="en-US" dirty="0"/>
+              <a:t>Proposed Approach</a:t>
+            </a:r>
+          </a:p>
+        </p:txBody>
+      </p:sp>
+    </p:spTree>
+    <p:extLst>
+      <p:ext uri="{BB962C8B-B14F-4D97-AF65-F5344CB8AC3E}">
+        <p14:creationId xmlns:p14="http://schemas.microsoft.com/office/powerpoint/2010/main" val="1167632270"/>
+      </p:ext>
+    </p:extLst>
+  </p:cSld>
+  <p:clrMapOvr>
+    <a:masterClrMapping/>
+  </p:clrMapOvr>
+</p:sld>
+</file>
+
+<file path=ppt/slides/slide28.xml><?xml version="1.0" encoding="utf-8"?>
+<p:sld xmlns:a="http://schemas.openxmlformats.org/drawingml/2006/main" xmlns:r="http://schemas.openxmlformats.org/officeDocument/2006/relationships" xmlns:p="http://schemas.openxmlformats.org/presentationml/2006/main">
+  <p:cSld>
+    <p:spTree>
+      <p:nvGrpSpPr>
+        <p:cNvPr id="1" name=""/>
+        <p:cNvGrpSpPr/>
+        <p:nvPr/>
+      </p:nvGrpSpPr>
+      <p:grpSpPr>
+        <a:xfrm>
+          <a:off x="0" y="0"/>
+          <a:ext cx="0" cy="0"/>
+          <a:chOff x="0" y="0"/>
+          <a:chExt cx="0" cy="0"/>
+        </a:xfrm>
+      </p:grpSpPr>
+      <p:sp>
+        <p:nvSpPr>
+          <p:cNvPr id="6" name="Content Placeholder 5"/>
+          <p:cNvSpPr>
+            <a:spLocks noGrp="1"/>
+          </p:cNvSpPr>
+          <p:nvPr>
+            <p:ph sz="quarter" idx="13"/>
+          </p:nvPr>
+        </p:nvSpPr>
+        <p:spPr/>
+        <p:txBody>
+          <a:bodyPr>
+            <a:normAutofit fontScale="92500" lnSpcReduction="20000"/>
+          </a:bodyPr>
+          <a:lstStyle/>
+          <a:p>
+            <a:r>
+              <a:rPr lang="en-US" dirty="0"/>
+              <a:t>Federating data and systems with concept models requires, well, concept models.</a:t>
+            </a:r>
+          </a:p>
+          <a:p>
+            <a:r>
+              <a:rPr lang="en-US" dirty="0"/>
+              <a:t>To be mapped, data elements need to be mapped through the same concept or concept pattern</a:t>
+            </a:r>
+          </a:p>
+          <a:p>
+            <a:r>
+              <a:rPr lang="en-US" dirty="0"/>
+              <a:t>There is no expectation of any single “true” concept model</a:t>
+            </a:r>
+          </a:p>
+          <a:p>
+            <a:r>
+              <a:rPr lang="en-US" dirty="0"/>
+              <a:t>We need to collect and curate a library of reference concepts</a:t>
+            </a:r>
+          </a:p>
+          <a:p>
+            <a:r>
+              <a:rPr lang="en-US" dirty="0"/>
+              <a:t>ConceptLibraries.org (a </a:t>
+            </a:r>
+            <a:r>
+              <a:rPr lang="en-US" dirty="0" err="1"/>
+              <a:t>github</a:t>
+            </a:r>
+            <a:r>
+              <a:rPr lang="en-US" dirty="0"/>
+              <a:t> site) is intended for this purpose</a:t>
+            </a:r>
+          </a:p>
+          <a:p>
+            <a:r>
+              <a:rPr lang="en-US" dirty="0"/>
+              <a:t>ConceptLibraries.org is being announced, we invite your participations</a:t>
+            </a:r>
+          </a:p>
+          <a:p>
+            <a:r>
+              <a:rPr lang="en-US" dirty="0"/>
+              <a:t>The models are open source and intended for community use, refinement and extension</a:t>
+            </a:r>
+          </a:p>
+          <a:p>
+            <a:r>
+              <a:rPr lang="en-US" dirty="0"/>
+              <a:t>It is “seeded” with three libraries</a:t>
             </a:r>
           </a:p>
           <a:p>
@@ -7933,7 +8728,7 @@
             </a:pPr>
             <a:r>
               <a:rPr lang="en-US" dirty="0"/>
-              <a:t>The FIBO financial business ontology</a:t>
+              <a:t>The domain independent federated concept library</a:t>
             </a:r>
           </a:p>
           <a:p>
@@ -7943,6 +8738,16 @@
             </a:pPr>
             <a:r>
               <a:rPr lang="en-US" dirty="0"/>
+              <a:t>The FIBO financial business ontology</a:t>
+            </a:r>
+          </a:p>
+          <a:p>
+            <a:pPr marL="285750" indent="-285750">
+              <a:buFont typeface="Arial" panose="020B0604020202020204" pitchFamily="34" charset="0"/>
+              <a:buChar char="•"/>
+            </a:pPr>
+            <a:r>
+              <a:rPr lang="en-US" dirty="0"/>
               <a:t>The draft OMG threat/risk model</a:t>
             </a:r>
           </a:p>
@@ -7994,7 +8799,7 @@
           <a:p>
             <a:fld id="{987D7693-E132-40A2-A808-4CF056E677D9}" type="slidenum">
               <a:rPr lang="en-US" smtClean="0"/>
-              <a:t>23</a:t>
+              <a:t>28</a:t>
             </a:fld>
             <a:endParaRPr lang="en-US" dirty="0"/>
           </a:p>
@@ -8092,7 +8897,7 @@
 </p:sld>
 </file>
 
-<file path=ppt/slides/slide24.xml><?xml version="1.0" encoding="utf-8"?>
+<file path=ppt/slides/slide29.xml><?xml version="1.0" encoding="utf-8"?>
 <p:sld xmlns:a="http://schemas.openxmlformats.org/drawingml/2006/main" xmlns:r="http://schemas.openxmlformats.org/officeDocument/2006/relationships" xmlns:p="http://schemas.openxmlformats.org/presentationml/2006/main">
   <p:cSld>
     <p:spTree>
@@ -8168,7 +8973,7 @@
           <a:p>
             <a:fld id="{C5349D12-3EF0-44B0-8484-0F10BE0E01DA}" type="slidenum">
               <a:rPr lang="en-US" smtClean="0"/>
-              <a:t>24</a:t>
+              <a:t>29</a:t>
             </a:fld>
             <a:endParaRPr lang="en-US"/>
           </a:p>
@@ -10679,7 +11484,7 @@
         </p:spPr>
         <p:txBody>
           <a:bodyPr>
-            <a:normAutofit/>
+            <a:normAutofit fontScale="92500" lnSpcReduction="20000"/>
           </a:bodyPr>
           <a:lstStyle/>
           <a:p>
@@ -10731,6 +11536,21 @@
               <a:t>http://threatrisk.org/</a:t>
             </a:r>
             <a:endParaRPr lang="en-US" u="sng" dirty="0"/>
+          </a:p>
+          <a:p>
+            <a:pPr lvl="0"/>
+            <a:endParaRPr lang="en-US" u="sng" dirty="0"/>
+          </a:p>
+          <a:p>
+            <a:pPr lvl="0"/>
+            <a:r>
+              <a:rPr lang="en-US" u="sng" dirty="0">
+                <a:solidFill>
+                  <a:srgbClr val="FFFF00"/>
+                </a:solidFill>
+              </a:rPr>
+              <a:t>Status: Revised submission due for December, POC Implementation in progress (Model Driven Solutions).</a:t>
+            </a:r>
           </a:p>
           <a:p>
             <a:pPr lvl="0"/>

--- a/Presentations/Risky Business.pptx
+++ b/Presentations/Risky Business.pptx
@@ -26,14 +26,14 @@
     <p:sldId id="485" r:id="rId17"/>
     <p:sldId id="481" r:id="rId18"/>
     <p:sldId id="486" r:id="rId19"/>
-    <p:sldId id="487" r:id="rId20"/>
-    <p:sldId id="496" r:id="rId21"/>
-    <p:sldId id="499" r:id="rId22"/>
-    <p:sldId id="498" r:id="rId23"/>
-    <p:sldId id="495" r:id="rId24"/>
-    <p:sldId id="497" r:id="rId25"/>
-    <p:sldId id="488" r:id="rId26"/>
-    <p:sldId id="489" r:id="rId27"/>
+    <p:sldId id="496" r:id="rId20"/>
+    <p:sldId id="499" r:id="rId21"/>
+    <p:sldId id="498" r:id="rId22"/>
+    <p:sldId id="495" r:id="rId23"/>
+    <p:sldId id="497" r:id="rId24"/>
+    <p:sldId id="488" r:id="rId25"/>
+    <p:sldId id="489" r:id="rId26"/>
+    <p:sldId id="500" r:id="rId27"/>
     <p:sldId id="490" r:id="rId28"/>
     <p:sldId id="491" r:id="rId29"/>
     <p:sldId id="494" r:id="rId30"/>
@@ -42,28 +42,18 @@
   <p:notesSz cx="6858000" cy="9144000"/>
   <p:embeddedFontLst>
     <p:embeddedFont>
-      <p:font typeface="Tahoma" panose="020B0604030504040204" pitchFamily="34" charset="0"/>
+      <p:font typeface="Calibri" panose="020F0502020204030204" pitchFamily="34" charset="0"/>
       <p:regular r:id="rId32"/>
       <p:bold r:id="rId33"/>
-    </p:embeddedFont>
-    <p:embeddedFont>
-      <p:font typeface="Calibri" panose="020F0502020204030204" pitchFamily="34" charset="0"/>
-      <p:regular r:id="rId34"/>
-      <p:bold r:id="rId35"/>
-      <p:italic r:id="rId36"/>
-      <p:boldItalic r:id="rId37"/>
+      <p:italic r:id="rId34"/>
+      <p:boldItalic r:id="rId35"/>
     </p:embeddedFont>
     <p:embeddedFont>
       <p:font typeface="Corbel" panose="020B0503020204020204" pitchFamily="34" charset="0"/>
-      <p:regular r:id="rId38"/>
-      <p:bold r:id="rId39"/>
-      <p:italic r:id="rId40"/>
-      <p:boldItalic r:id="rId41"/>
-    </p:embeddedFont>
-    <p:embeddedFont>
-      <p:font typeface="Tunga" panose="020B0604020202020204" charset="0"/>
-      <p:regular r:id="rId42"/>
-      <p:bold r:id="rId43"/>
+      <p:regular r:id="rId36"/>
+      <p:bold r:id="rId37"/>
+      <p:italic r:id="rId38"/>
+      <p:boldItalic r:id="rId39"/>
     </p:embeddedFont>
   </p:embeddedFontLst>
   <p:defaultTextStyle>
@@ -180,10 +170,6 @@
 </p:presentation>
 </file>
 
-<file path=ppt/revisionInfo.xml><?xml version="1.0" encoding="utf-8"?>
-<p1510:revInfo xmlns:a="http://schemas.openxmlformats.org/drawingml/2006/main" xmlns:r="http://schemas.openxmlformats.org/officeDocument/2006/relationships" xmlns:p1510="http://schemas.microsoft.com/office/powerpoint/2015/10/main"/>
-</file>
-
 <file path=ppt/notesMasters/notesMaster1.xml><?xml version="1.0" encoding="utf-8"?>
 <p:notesMaster xmlns:a="http://schemas.openxmlformats.org/drawingml/2006/main" xmlns:r="http://schemas.openxmlformats.org/officeDocument/2006/relationships" xmlns:p="http://schemas.openxmlformats.org/presentationml/2006/main">
   <p:cSld>
@@ -266,7 +252,7 @@
           <a:p>
             <a:fld id="{AC180C8A-D2E4-4495-AF9F-052BC1FF86BD}" type="datetimeFigureOut">
               <a:rPr lang="en-US" smtClean="0"/>
-              <a:t>6/5/2017</a:t>
+              <a:t>4/28/2020</a:t>
             </a:fld>
             <a:endParaRPr lang="en-US"/>
           </a:p>
@@ -534,6 +520,90 @@
 </file>
 
 <file path=ppt/notesSlides/notesSlide1.xml><?xml version="1.0" encoding="utf-8"?>
+<p:notes xmlns:a="http://schemas.openxmlformats.org/drawingml/2006/main" xmlns:r="http://schemas.openxmlformats.org/officeDocument/2006/relationships" xmlns:p="http://schemas.openxmlformats.org/presentationml/2006/main">
+  <p:cSld>
+    <p:spTree>
+      <p:nvGrpSpPr>
+        <p:cNvPr id="1" name=""/>
+        <p:cNvGrpSpPr/>
+        <p:nvPr/>
+      </p:nvGrpSpPr>
+      <p:grpSpPr>
+        <a:xfrm>
+          <a:off x="0" y="0"/>
+          <a:ext cx="0" cy="0"/>
+          <a:chOff x="0" y="0"/>
+          <a:chExt cx="0" cy="0"/>
+        </a:xfrm>
+      </p:grpSpPr>
+      <p:sp>
+        <p:nvSpPr>
+          <p:cNvPr id="2" name="Slide Image Placeholder 1"/>
+          <p:cNvSpPr>
+            <a:spLocks noGrp="1" noRot="1" noChangeAspect="1"/>
+          </p:cNvSpPr>
+          <p:nvPr>
+            <p:ph type="sldImg"/>
+          </p:nvPr>
+        </p:nvSpPr>
+        <p:spPr/>
+      </p:sp>
+      <p:sp>
+        <p:nvSpPr>
+          <p:cNvPr id="3" name="Notes Placeholder 2"/>
+          <p:cNvSpPr>
+            <a:spLocks noGrp="1"/>
+          </p:cNvSpPr>
+          <p:nvPr>
+            <p:ph type="body" idx="1"/>
+          </p:nvPr>
+        </p:nvSpPr>
+        <p:spPr/>
+        <p:txBody>
+          <a:bodyPr/>
+          <a:lstStyle/>
+          <a:p>
+            <a:endParaRPr lang="en-US" dirty="0"/>
+          </a:p>
+        </p:txBody>
+      </p:sp>
+      <p:sp>
+        <p:nvSpPr>
+          <p:cNvPr id="4" name="Slide Number Placeholder 3"/>
+          <p:cNvSpPr>
+            <a:spLocks noGrp="1"/>
+          </p:cNvSpPr>
+          <p:nvPr>
+            <p:ph type="sldNum" sz="quarter" idx="5"/>
+          </p:nvPr>
+        </p:nvSpPr>
+        <p:spPr/>
+        <p:txBody>
+          <a:bodyPr/>
+          <a:lstStyle/>
+          <a:p>
+            <a:fld id="{4A8C0839-A752-4026-B076-2AA4A81C1342}" type="slidenum">
+              <a:rPr lang="en-US" smtClean="0"/>
+              <a:t>10</a:t>
+            </a:fld>
+            <a:endParaRPr lang="en-US"/>
+          </a:p>
+        </p:txBody>
+      </p:sp>
+    </p:spTree>
+    <p:extLst>
+      <p:ext uri="{BB962C8B-B14F-4D97-AF65-F5344CB8AC3E}">
+        <p14:creationId xmlns:p14="http://schemas.microsoft.com/office/powerpoint/2010/main" val="691902363"/>
+      </p:ext>
+    </p:extLst>
+  </p:cSld>
+  <p:clrMapOvr>
+    <a:masterClrMapping/>
+  </p:clrMapOvr>
+</p:notes>
+</file>
+
+<file path=ppt/notesSlides/notesSlide2.xml><?xml version="1.0" encoding="utf-8"?>
 <p:notes xmlns:a="http://schemas.openxmlformats.org/drawingml/2006/main" xmlns:r="http://schemas.openxmlformats.org/officeDocument/2006/relationships" xmlns:p="http://schemas.openxmlformats.org/presentationml/2006/main">
   <p:cSld>
     <p:spTree>
@@ -4665,6 +4735,35 @@
           </a:effectLst>
         </p:spPr>
       </p:pic>
+      <p:sp>
+        <p:nvSpPr>
+          <p:cNvPr id="2" name="TextBox 1"/>
+          <p:cNvSpPr txBox="1"/>
+          <p:nvPr/>
+        </p:nvSpPr>
+        <p:spPr>
+          <a:xfrm>
+            <a:off x="8718570" y="4800600"/>
+            <a:ext cx="412292" cy="246221"/>
+          </a:xfrm>
+          <a:prstGeom prst="rect">
+            <a:avLst/>
+          </a:prstGeom>
+          <a:noFill/>
+        </p:spPr>
+        <p:txBody>
+          <a:bodyPr wrap="none" rtlCol="0">
+            <a:spAutoFit/>
+          </a:bodyPr>
+          <a:lstStyle/>
+          <a:p>
+            <a:r>
+              <a:rPr lang="en-US" sz="1000" dirty="0"/>
+              <a:t>V1.1</a:t>
+            </a:r>
+          </a:p>
+        </p:txBody>
+      </p:sp>
     </p:spTree>
     <p:extLst>
       <p:ext uri="{BB962C8B-B14F-4D97-AF65-F5344CB8AC3E}">
@@ -4795,7 +4894,7 @@
           <p:nvPr/>
         </p:nvPicPr>
         <p:blipFill>
-          <a:blip r:embed="rId2"/>
+          <a:blip r:embed="rId3"/>
           <a:stretch>
             <a:fillRect/>
           </a:stretch>
@@ -4998,7 +5097,7 @@
         <p:spPr/>
         <p:txBody>
           <a:bodyPr>
-            <a:normAutofit fontScale="85000" lnSpcReduction="20000"/>
+            <a:normAutofit fontScale="77500" lnSpcReduction="20000"/>
           </a:bodyPr>
           <a:lstStyle/>
           <a:p>
@@ -5014,7 +5113,7 @@
             </a:pPr>
             <a:r>
               <a:rPr lang="en-US" dirty="0"/>
-              <a:t>Who the risk is a </a:t>
+              <a:t>The risk is a </a:t>
             </a:r>
             <a:r>
               <a:rPr lang="en-US" b="1" dirty="0"/>
@@ -5026,7 +5125,11 @@
             </a:r>
             <a:r>
               <a:rPr lang="en-US" b="1" dirty="0"/>
-              <a:t>risk owner</a:t>
+              <a:t>risk owner </a:t>
+            </a:r>
+            <a:r>
+              <a:rPr lang="en-US" dirty="0"/>
+              <a:t>{who}</a:t>
             </a:r>
           </a:p>
           <a:p>
@@ -5036,7 +5139,7 @@
             </a:pPr>
             <a:r>
               <a:rPr lang="en-US" dirty="0"/>
-              <a:t>What the risk </a:t>
+              <a:t>The risk </a:t>
             </a:r>
             <a:r>
               <a:rPr lang="en-US" b="1" dirty="0"/>
@@ -5048,7 +5151,11 @@
             </a:r>
             <a:r>
               <a:rPr lang="en-US" b="1" dirty="0"/>
-              <a:t>valued asset(s)</a:t>
+              <a:t>valued asset(s) </a:t>
+            </a:r>
+            <a:r>
+              <a:rPr lang="en-US" dirty="0"/>
+              <a:t>{impacts}</a:t>
             </a:r>
           </a:p>
           <a:p>
@@ -5058,7 +5165,7 @@
             </a:pPr>
             <a:r>
               <a:rPr lang="en-US" dirty="0"/>
-              <a:t>What the  risk </a:t>
+              <a:t>The  risk </a:t>
             </a:r>
             <a:r>
               <a:rPr lang="en-US" b="1" dirty="0"/>
@@ -5074,7 +5181,7 @@
             </a:r>
             <a:r>
               <a:rPr lang="en-US" dirty="0"/>
-              <a:t>(s)</a:t>
+              <a:t>(s) {cause}</a:t>
             </a:r>
           </a:p>
           <a:p>
@@ -5097,7 +5204,7 @@
             </a:pPr>
             <a:r>
               <a:rPr lang="en-US" dirty="0"/>
-              <a:t>That the </a:t>
+              <a:t>That potential </a:t>
             </a:r>
             <a:r>
               <a:rPr lang="en-US" b="1" dirty="0"/>
@@ -5105,7 +5212,7 @@
             </a:r>
             <a:r>
               <a:rPr lang="en-US" dirty="0"/>
-              <a:t>(s) </a:t>
+              <a:t>(s) {threats} </a:t>
             </a:r>
             <a:r>
               <a:rPr lang="en-US" b="1" dirty="0"/>
@@ -6537,7 +6644,7 @@
       </p:grpSpPr>
       <p:sp>
         <p:nvSpPr>
-          <p:cNvPr id="3" name="Date Placeholder 2"/>
+          <p:cNvPr id="2" name="Date Placeholder 1"/>
           <p:cNvSpPr>
             <a:spLocks noGrp="1"/>
           </p:cNvSpPr>
@@ -6551,15 +6658,16 @@
           <a:lstStyle/>
           <a:p>
             <a:r>
-              <a:rPr lang="en-US" dirty="0"/>
+              <a:rPr lang="en-US"/>
               <a:t>June 2017</a:t>
             </a:r>
-          </a:p>
-        </p:txBody>
-      </p:sp>
-      <p:sp>
-        <p:nvSpPr>
-          <p:cNvPr id="4" name="Slide Number Placeholder 3"/>
+            <a:endParaRPr lang="en-US" dirty="0"/>
+          </a:p>
+        </p:txBody>
+      </p:sp>
+      <p:sp>
+        <p:nvSpPr>
+          <p:cNvPr id="3" name="Slide Number Placeholder 2"/>
           <p:cNvSpPr>
             <a:spLocks noGrp="1"/>
           </p:cNvSpPr>
@@ -6575,419 +6683,6 @@
             <a:fld id="{C5349D12-3EF0-44B0-8484-0F10BE0E01DA}" type="slidenum">
               <a:rPr lang="en-US" smtClean="0"/>
               <a:t>19</a:t>
-            </a:fld>
-            <a:endParaRPr lang="en-US"/>
-          </a:p>
-        </p:txBody>
-      </p:sp>
-      <p:sp>
-        <p:nvSpPr>
-          <p:cNvPr id="5" name="Footer Placeholder 4"/>
-          <p:cNvSpPr>
-            <a:spLocks noGrp="1"/>
-          </p:cNvSpPr>
-          <p:nvPr>
-            <p:ph type="ftr" sz="quarter" idx="12"/>
-          </p:nvPr>
-        </p:nvSpPr>
-        <p:spPr/>
-        <p:txBody>
-          <a:bodyPr/>
-          <a:lstStyle/>
-          <a:p>
-            <a:r>
-              <a:rPr lang="en-US" dirty="0"/>
-              <a:t>Common Risk Concepts </a:t>
-            </a:r>
-          </a:p>
-        </p:txBody>
-      </p:sp>
-      <p:sp>
-        <p:nvSpPr>
-          <p:cNvPr id="7" name="Title 6"/>
-          <p:cNvSpPr>
-            <a:spLocks noGrp="1"/>
-          </p:cNvSpPr>
-          <p:nvPr>
-            <p:ph type="title"/>
-          </p:nvPr>
-        </p:nvSpPr>
-        <p:spPr>
-          <a:xfrm>
-            <a:off x="352426" y="-17721"/>
-            <a:ext cx="8562974" cy="685800"/>
-          </a:xfrm>
-        </p:spPr>
-        <p:txBody>
-          <a:bodyPr>
-            <a:normAutofit/>
-          </a:bodyPr>
-          <a:lstStyle/>
-          <a:p>
-            <a:r>
-              <a:rPr lang="en-US" sz="2800" dirty="0"/>
-              <a:t>Example of Specialization – Threat Actors and Attacks</a:t>
-            </a:r>
-          </a:p>
-        </p:txBody>
-      </p:sp>
-      <p:pic>
-        <p:nvPicPr>
-          <p:cNvPr id="9" name="Picture 8"/>
-          <p:cNvPicPr>
-            <a:picLocks noChangeAspect="1"/>
-          </p:cNvPicPr>
-          <p:nvPr/>
-        </p:nvPicPr>
-        <p:blipFill>
-          <a:blip r:embed="rId2"/>
-          <a:stretch>
-            <a:fillRect/>
-          </a:stretch>
-        </p:blipFill>
-        <p:spPr>
-          <a:xfrm>
-            <a:off x="685800" y="668079"/>
-            <a:ext cx="7758730" cy="5841270"/>
-          </a:xfrm>
-          <a:prstGeom prst="rect">
-            <a:avLst/>
-          </a:prstGeom>
-        </p:spPr>
-      </p:pic>
-    </p:spTree>
-    <p:extLst>
-      <p:ext uri="{BB962C8B-B14F-4D97-AF65-F5344CB8AC3E}">
-        <p14:creationId xmlns:p14="http://schemas.microsoft.com/office/powerpoint/2010/main" val="825168680"/>
-      </p:ext>
-    </p:extLst>
-  </p:cSld>
-  <p:clrMapOvr>
-    <a:masterClrMapping/>
-  </p:clrMapOvr>
-</p:sld>
-</file>
-
-<file path=ppt/slides/slide2.xml><?xml version="1.0" encoding="utf-8"?>
-<p:sld xmlns:a="http://schemas.openxmlformats.org/drawingml/2006/main" xmlns:r="http://schemas.openxmlformats.org/officeDocument/2006/relationships" xmlns:p="http://schemas.openxmlformats.org/presentationml/2006/main">
-  <p:cSld>
-    <p:spTree>
-      <p:nvGrpSpPr>
-        <p:cNvPr id="1" name=""/>
-        <p:cNvGrpSpPr/>
-        <p:nvPr/>
-      </p:nvGrpSpPr>
-      <p:grpSpPr>
-        <a:xfrm>
-          <a:off x="0" y="0"/>
-          <a:ext cx="0" cy="0"/>
-          <a:chOff x="0" y="0"/>
-          <a:chExt cx="0" cy="0"/>
-        </a:xfrm>
-      </p:grpSpPr>
-      <p:sp>
-        <p:nvSpPr>
-          <p:cNvPr id="2" name="Content Placeholder 1"/>
-          <p:cNvSpPr>
-            <a:spLocks noGrp="1"/>
-          </p:cNvSpPr>
-          <p:nvPr>
-            <p:ph sz="quarter" idx="13"/>
-          </p:nvPr>
-        </p:nvSpPr>
-        <p:spPr/>
-        <p:txBody>
-          <a:bodyPr>
-            <a:normAutofit fontScale="85000" lnSpcReduction="20000"/>
-          </a:bodyPr>
-          <a:lstStyle/>
-          <a:p>
-            <a:r>
-              <a:rPr lang="en-US" dirty="0"/>
-              <a:t>Operational threat/risk model</a:t>
-            </a:r>
-          </a:p>
-          <a:p>
-            <a:pPr marL="342900" indent="-342900">
-              <a:buFont typeface="Arial" panose="020B0604020202020204" pitchFamily="34" charset="0"/>
-              <a:buChar char="•"/>
-            </a:pPr>
-            <a:r>
-              <a:rPr lang="en-US" dirty="0"/>
-              <a:t>Focused on operational risk but utilizes an approach that defines operational risk in terms of general concepts</a:t>
-            </a:r>
-          </a:p>
-          <a:p>
-            <a:r>
-              <a:rPr lang="en-US" dirty="0"/>
-              <a:t>Multiple sources of input</a:t>
-            </a:r>
-          </a:p>
-          <a:p>
-            <a:pPr marL="285750" indent="-285750">
-              <a:buFont typeface="Arial" panose="020B0604020202020204" pitchFamily="34" charset="0"/>
-              <a:buChar char="•"/>
-            </a:pPr>
-            <a:r>
-              <a:rPr lang="en-US" dirty="0"/>
-              <a:t>Intentional Physical Risks – e.g. terrorism &amp; crime</a:t>
-            </a:r>
-          </a:p>
-          <a:p>
-            <a:pPr marL="285750" indent="-285750">
-              <a:buFont typeface="Arial" panose="020B0604020202020204" pitchFamily="34" charset="0"/>
-              <a:buChar char="•"/>
-            </a:pPr>
-            <a:r>
-              <a:rPr lang="en-US" dirty="0"/>
-              <a:t>Unintentional Risks – Safety &amp; Natural Occurrences</a:t>
-            </a:r>
-          </a:p>
-          <a:p>
-            <a:pPr marL="285750" indent="-285750">
-              <a:buFont typeface="Arial" panose="020B0604020202020204" pitchFamily="34" charset="0"/>
-              <a:buChar char="•"/>
-            </a:pPr>
-            <a:r>
-              <a:rPr lang="en-US" dirty="0"/>
-              <a:t>Financial Risks – e.g. FIBO</a:t>
-            </a:r>
-          </a:p>
-          <a:p>
-            <a:endParaRPr lang="en-US" dirty="0"/>
-          </a:p>
-          <a:p>
-            <a:r>
-              <a:rPr lang="en-US" dirty="0"/>
-              <a:t>Methodology</a:t>
-            </a:r>
-          </a:p>
-          <a:p>
-            <a:pPr marL="342900" indent="-342900">
-              <a:buFont typeface="+mj-lt"/>
-              <a:buAutoNum type="arabicPeriod"/>
-            </a:pPr>
-            <a:r>
-              <a:rPr lang="en-US" dirty="0"/>
-              <a:t>Define domain specific concepts in terms of more general concepts that are domain and application independent. </a:t>
-            </a:r>
-            <a:r>
-              <a:rPr lang="en-US" i="1" dirty="0"/>
-              <a:t>Most information sharing and federation crosses domains.</a:t>
-            </a:r>
-          </a:p>
-          <a:p>
-            <a:pPr marL="342900" indent="-342900">
-              <a:buFont typeface="+mj-lt"/>
-              <a:buAutoNum type="arabicPeriod"/>
-            </a:pPr>
-            <a:r>
-              <a:rPr lang="en-US" dirty="0"/>
-              <a:t>Represented in SMIF profile of UML using </a:t>
-            </a:r>
-            <a:r>
-              <a:rPr lang="en-US" dirty="0" err="1"/>
-              <a:t>Magicdraw</a:t>
-            </a:r>
-            <a:endParaRPr lang="en-US" dirty="0"/>
-          </a:p>
-          <a:p>
-            <a:pPr marL="342900" indent="-342900">
-              <a:buFont typeface="+mj-lt"/>
-              <a:buAutoNum type="arabicPeriod"/>
-            </a:pPr>
-            <a:r>
-              <a:rPr lang="en-US" dirty="0"/>
-              <a:t>However, we have not had sufficient review of generic risk concepts – so operational bias may be seen.</a:t>
-            </a:r>
-          </a:p>
-          <a:p>
-            <a:pPr marL="342900" indent="-342900">
-              <a:buFont typeface="+mj-lt"/>
-              <a:buAutoNum type="arabicPeriod"/>
-            </a:pPr>
-            <a:r>
-              <a:rPr lang="en-US" dirty="0"/>
-              <a:t>Note that what is presented is a </a:t>
-            </a:r>
-            <a:r>
-              <a:rPr lang="en-US" b="1" dirty="0"/>
-              <a:t>subset of the models</a:t>
-            </a:r>
-            <a:r>
-              <a:rPr lang="en-US" dirty="0"/>
-              <a:t>.</a:t>
-            </a:r>
-          </a:p>
-          <a:p>
-            <a:pPr marL="285750" indent="-285750">
-              <a:buFont typeface="Arial" panose="020B0604020202020204" pitchFamily="34" charset="0"/>
-              <a:buChar char="•"/>
-            </a:pPr>
-            <a:endParaRPr lang="en-US" dirty="0"/>
-          </a:p>
-        </p:txBody>
-      </p:sp>
-      <p:sp>
-        <p:nvSpPr>
-          <p:cNvPr id="3" name="Date Placeholder 2"/>
-          <p:cNvSpPr>
-            <a:spLocks noGrp="1"/>
-          </p:cNvSpPr>
-          <p:nvPr>
-            <p:ph type="dt" sz="half" idx="14"/>
-          </p:nvPr>
-        </p:nvSpPr>
-        <p:spPr/>
-        <p:txBody>
-          <a:bodyPr/>
-          <a:lstStyle/>
-          <a:p>
-            <a:r>
-              <a:rPr lang="en-US" dirty="0"/>
-              <a:t>June 2017</a:t>
-            </a:r>
-          </a:p>
-        </p:txBody>
-      </p:sp>
-      <p:sp>
-        <p:nvSpPr>
-          <p:cNvPr id="4" name="Slide Number Placeholder 3"/>
-          <p:cNvSpPr>
-            <a:spLocks noGrp="1"/>
-          </p:cNvSpPr>
-          <p:nvPr>
-            <p:ph type="sldNum" sz="quarter" idx="15"/>
-          </p:nvPr>
-        </p:nvSpPr>
-        <p:spPr/>
-        <p:txBody>
-          <a:bodyPr/>
-          <a:lstStyle/>
-          <a:p>
-            <a:fld id="{C5349D12-3EF0-44B0-8484-0F10BE0E01DA}" type="slidenum">
-              <a:rPr lang="en-US" smtClean="0"/>
-              <a:t>2</a:t>
-            </a:fld>
-            <a:endParaRPr lang="en-US"/>
-          </a:p>
-        </p:txBody>
-      </p:sp>
-      <p:sp>
-        <p:nvSpPr>
-          <p:cNvPr id="5" name="Footer Placeholder 4"/>
-          <p:cNvSpPr>
-            <a:spLocks noGrp="1"/>
-          </p:cNvSpPr>
-          <p:nvPr>
-            <p:ph type="ftr" sz="quarter" idx="16"/>
-          </p:nvPr>
-        </p:nvSpPr>
-        <p:spPr/>
-        <p:txBody>
-          <a:bodyPr/>
-          <a:lstStyle/>
-          <a:p>
-            <a:r>
-              <a:rPr lang="en-US" dirty="0"/>
-              <a:t>Common Risk Concepts </a:t>
-            </a:r>
-          </a:p>
-        </p:txBody>
-      </p:sp>
-      <p:sp>
-        <p:nvSpPr>
-          <p:cNvPr id="6" name="Title 5"/>
-          <p:cNvSpPr>
-            <a:spLocks noGrp="1"/>
-          </p:cNvSpPr>
-          <p:nvPr>
-            <p:ph type="title"/>
-          </p:nvPr>
-        </p:nvSpPr>
-        <p:spPr/>
-        <p:txBody>
-          <a:bodyPr/>
-          <a:lstStyle/>
-          <a:p>
-            <a:r>
-              <a:rPr lang="en-US" dirty="0"/>
-              <a:t>Foundations</a:t>
-            </a:r>
-          </a:p>
-        </p:txBody>
-      </p:sp>
-    </p:spTree>
-    <p:extLst>
-      <p:ext uri="{BB962C8B-B14F-4D97-AF65-F5344CB8AC3E}">
-        <p14:creationId xmlns:p14="http://schemas.microsoft.com/office/powerpoint/2010/main" val="2181781803"/>
-      </p:ext>
-    </p:extLst>
-  </p:cSld>
-  <p:clrMapOvr>
-    <a:masterClrMapping/>
-  </p:clrMapOvr>
-</p:sld>
-</file>
-
-<file path=ppt/slides/slide20.xml><?xml version="1.0" encoding="utf-8"?>
-<p:sld xmlns:a="http://schemas.openxmlformats.org/drawingml/2006/main" xmlns:r="http://schemas.openxmlformats.org/officeDocument/2006/relationships" xmlns:p="http://schemas.openxmlformats.org/presentationml/2006/main">
-  <p:cSld>
-    <p:spTree>
-      <p:nvGrpSpPr>
-        <p:cNvPr id="1" name=""/>
-        <p:cNvGrpSpPr/>
-        <p:nvPr/>
-      </p:nvGrpSpPr>
-      <p:grpSpPr>
-        <a:xfrm>
-          <a:off x="0" y="0"/>
-          <a:ext cx="0" cy="0"/>
-          <a:chOff x="0" y="0"/>
-          <a:chExt cx="0" cy="0"/>
-        </a:xfrm>
-      </p:grpSpPr>
-      <p:sp>
-        <p:nvSpPr>
-          <p:cNvPr id="2" name="Date Placeholder 1"/>
-          <p:cNvSpPr>
-            <a:spLocks noGrp="1"/>
-          </p:cNvSpPr>
-          <p:nvPr>
-            <p:ph type="dt" sz="half" idx="10"/>
-          </p:nvPr>
-        </p:nvSpPr>
-        <p:spPr/>
-        <p:txBody>
-          <a:bodyPr/>
-          <a:lstStyle/>
-          <a:p>
-            <a:r>
-              <a:rPr lang="en-US"/>
-              <a:t>June 2017</a:t>
-            </a:r>
-            <a:endParaRPr lang="en-US" dirty="0"/>
-          </a:p>
-        </p:txBody>
-      </p:sp>
-      <p:sp>
-        <p:nvSpPr>
-          <p:cNvPr id="3" name="Slide Number Placeholder 2"/>
-          <p:cNvSpPr>
-            <a:spLocks noGrp="1"/>
-          </p:cNvSpPr>
-          <p:nvPr>
-            <p:ph type="sldNum" sz="quarter" idx="11"/>
-          </p:nvPr>
-        </p:nvSpPr>
-        <p:spPr/>
-        <p:txBody>
-          <a:bodyPr/>
-          <a:lstStyle/>
-          <a:p>
-            <a:fld id="{C5349D12-3EF0-44B0-8484-0F10BE0E01DA}" type="slidenum">
-              <a:rPr lang="en-US" smtClean="0"/>
-              <a:t>20</a:t>
             </a:fld>
             <a:endParaRPr lang="en-US"/>
           </a:p>
@@ -7082,6 +6777,475 @@
 </p:sld>
 </file>
 
+<file path=ppt/slides/slide2.xml><?xml version="1.0" encoding="utf-8"?>
+<p:sld xmlns:a="http://schemas.openxmlformats.org/drawingml/2006/main" xmlns:r="http://schemas.openxmlformats.org/officeDocument/2006/relationships" xmlns:p="http://schemas.openxmlformats.org/presentationml/2006/main">
+  <p:cSld>
+    <p:spTree>
+      <p:nvGrpSpPr>
+        <p:cNvPr id="1" name=""/>
+        <p:cNvGrpSpPr/>
+        <p:nvPr/>
+      </p:nvGrpSpPr>
+      <p:grpSpPr>
+        <a:xfrm>
+          <a:off x="0" y="0"/>
+          <a:ext cx="0" cy="0"/>
+          <a:chOff x="0" y="0"/>
+          <a:chExt cx="0" cy="0"/>
+        </a:xfrm>
+      </p:grpSpPr>
+      <p:sp>
+        <p:nvSpPr>
+          <p:cNvPr id="2" name="Content Placeholder 1"/>
+          <p:cNvSpPr>
+            <a:spLocks noGrp="1"/>
+          </p:cNvSpPr>
+          <p:nvPr>
+            <p:ph sz="quarter" idx="13"/>
+          </p:nvPr>
+        </p:nvSpPr>
+        <p:spPr/>
+        <p:txBody>
+          <a:bodyPr>
+            <a:normAutofit fontScale="85000" lnSpcReduction="20000"/>
+          </a:bodyPr>
+          <a:lstStyle/>
+          <a:p>
+            <a:r>
+              <a:rPr lang="en-US" dirty="0"/>
+              <a:t>Operational threat/risk model</a:t>
+            </a:r>
+          </a:p>
+          <a:p>
+            <a:pPr marL="342900" indent="-342900">
+              <a:buFont typeface="Arial" panose="020B0604020202020204" pitchFamily="34" charset="0"/>
+              <a:buChar char="•"/>
+            </a:pPr>
+            <a:r>
+              <a:rPr lang="en-US" dirty="0"/>
+              <a:t>Focused on operational risk but utilizes an approach that defines operational risk in terms of general concepts</a:t>
+            </a:r>
+          </a:p>
+          <a:p>
+            <a:r>
+              <a:rPr lang="en-US" dirty="0"/>
+              <a:t>Multiple sources of input</a:t>
+            </a:r>
+          </a:p>
+          <a:p>
+            <a:pPr marL="285750" indent="-285750">
+              <a:buFont typeface="Arial" panose="020B0604020202020204" pitchFamily="34" charset="0"/>
+              <a:buChar char="•"/>
+            </a:pPr>
+            <a:r>
+              <a:rPr lang="en-US" dirty="0"/>
+              <a:t>Intentional Physical Risks – e.g. terrorism &amp; crime</a:t>
+            </a:r>
+          </a:p>
+          <a:p>
+            <a:pPr marL="285750" indent="-285750">
+              <a:buFont typeface="Arial" panose="020B0604020202020204" pitchFamily="34" charset="0"/>
+              <a:buChar char="•"/>
+            </a:pPr>
+            <a:r>
+              <a:rPr lang="en-US" dirty="0"/>
+              <a:t>Unintentional Risks – Safety &amp; Natural Occurrences</a:t>
+            </a:r>
+          </a:p>
+          <a:p>
+            <a:pPr marL="285750" indent="-285750">
+              <a:buFont typeface="Arial" panose="020B0604020202020204" pitchFamily="34" charset="0"/>
+              <a:buChar char="•"/>
+            </a:pPr>
+            <a:r>
+              <a:rPr lang="en-US" dirty="0"/>
+              <a:t>Financial Risks – e.g. FIBO</a:t>
+            </a:r>
+          </a:p>
+          <a:p>
+            <a:endParaRPr lang="en-US" dirty="0"/>
+          </a:p>
+          <a:p>
+            <a:r>
+              <a:rPr lang="en-US" dirty="0"/>
+              <a:t>Methodology</a:t>
+            </a:r>
+          </a:p>
+          <a:p>
+            <a:pPr marL="342900" indent="-342900">
+              <a:buFont typeface="+mj-lt"/>
+              <a:buAutoNum type="arabicPeriod"/>
+            </a:pPr>
+            <a:r>
+              <a:rPr lang="en-US" dirty="0"/>
+              <a:t>Define domain specific concepts in terms of more general concepts that are domain and application independent. </a:t>
+            </a:r>
+            <a:r>
+              <a:rPr lang="en-US" i="1" dirty="0"/>
+              <a:t>Most information sharing and federation crosses domains.</a:t>
+            </a:r>
+          </a:p>
+          <a:p>
+            <a:pPr marL="342900" indent="-342900">
+              <a:buFont typeface="+mj-lt"/>
+              <a:buAutoNum type="arabicPeriod"/>
+            </a:pPr>
+            <a:r>
+              <a:rPr lang="en-US" dirty="0"/>
+              <a:t>Represented in SMIF profile of UML using </a:t>
+            </a:r>
+            <a:r>
+              <a:rPr lang="en-US" dirty="0" err="1"/>
+              <a:t>Magicdraw</a:t>
+            </a:r>
+            <a:endParaRPr lang="en-US" dirty="0"/>
+          </a:p>
+          <a:p>
+            <a:pPr marL="342900" indent="-342900">
+              <a:buFont typeface="+mj-lt"/>
+              <a:buAutoNum type="arabicPeriod"/>
+            </a:pPr>
+            <a:r>
+              <a:rPr lang="en-US" dirty="0"/>
+              <a:t>However, we have not had sufficient review of generic risk concepts – so operational bias may be seen.</a:t>
+            </a:r>
+          </a:p>
+          <a:p>
+            <a:pPr marL="342900" indent="-342900">
+              <a:buFont typeface="+mj-lt"/>
+              <a:buAutoNum type="arabicPeriod"/>
+            </a:pPr>
+            <a:r>
+              <a:rPr lang="en-US" dirty="0"/>
+              <a:t>Note that what is presented is a </a:t>
+            </a:r>
+            <a:r>
+              <a:rPr lang="en-US" b="1" dirty="0"/>
+              <a:t>subset of the models</a:t>
+            </a:r>
+            <a:r>
+              <a:rPr lang="en-US" dirty="0"/>
+              <a:t>.</a:t>
+            </a:r>
+          </a:p>
+          <a:p>
+            <a:pPr marL="285750" indent="-285750">
+              <a:buFont typeface="Arial" panose="020B0604020202020204" pitchFamily="34" charset="0"/>
+              <a:buChar char="•"/>
+            </a:pPr>
+            <a:endParaRPr lang="en-US" dirty="0"/>
+          </a:p>
+        </p:txBody>
+      </p:sp>
+      <p:sp>
+        <p:nvSpPr>
+          <p:cNvPr id="3" name="Date Placeholder 2"/>
+          <p:cNvSpPr>
+            <a:spLocks noGrp="1"/>
+          </p:cNvSpPr>
+          <p:nvPr>
+            <p:ph type="dt" sz="half" idx="14"/>
+          </p:nvPr>
+        </p:nvSpPr>
+        <p:spPr/>
+        <p:txBody>
+          <a:bodyPr/>
+          <a:lstStyle/>
+          <a:p>
+            <a:r>
+              <a:rPr lang="en-US" dirty="0"/>
+              <a:t>June 2017</a:t>
+            </a:r>
+          </a:p>
+        </p:txBody>
+      </p:sp>
+      <p:sp>
+        <p:nvSpPr>
+          <p:cNvPr id="4" name="Slide Number Placeholder 3"/>
+          <p:cNvSpPr>
+            <a:spLocks noGrp="1"/>
+          </p:cNvSpPr>
+          <p:nvPr>
+            <p:ph type="sldNum" sz="quarter" idx="15"/>
+          </p:nvPr>
+        </p:nvSpPr>
+        <p:spPr/>
+        <p:txBody>
+          <a:bodyPr/>
+          <a:lstStyle/>
+          <a:p>
+            <a:fld id="{C5349D12-3EF0-44B0-8484-0F10BE0E01DA}" type="slidenum">
+              <a:rPr lang="en-US" smtClean="0"/>
+              <a:t>2</a:t>
+            </a:fld>
+            <a:endParaRPr lang="en-US"/>
+          </a:p>
+        </p:txBody>
+      </p:sp>
+      <p:sp>
+        <p:nvSpPr>
+          <p:cNvPr id="5" name="Footer Placeholder 4"/>
+          <p:cNvSpPr>
+            <a:spLocks noGrp="1"/>
+          </p:cNvSpPr>
+          <p:nvPr>
+            <p:ph type="ftr" sz="quarter" idx="16"/>
+          </p:nvPr>
+        </p:nvSpPr>
+        <p:spPr/>
+        <p:txBody>
+          <a:bodyPr/>
+          <a:lstStyle/>
+          <a:p>
+            <a:r>
+              <a:rPr lang="en-US" dirty="0"/>
+              <a:t>Common Risk Concepts </a:t>
+            </a:r>
+          </a:p>
+        </p:txBody>
+      </p:sp>
+      <p:sp>
+        <p:nvSpPr>
+          <p:cNvPr id="6" name="Title 5"/>
+          <p:cNvSpPr>
+            <a:spLocks noGrp="1"/>
+          </p:cNvSpPr>
+          <p:nvPr>
+            <p:ph type="title"/>
+          </p:nvPr>
+        </p:nvSpPr>
+        <p:spPr/>
+        <p:txBody>
+          <a:bodyPr/>
+          <a:lstStyle/>
+          <a:p>
+            <a:r>
+              <a:rPr lang="en-US" dirty="0"/>
+              <a:t>Foundations</a:t>
+            </a:r>
+          </a:p>
+        </p:txBody>
+      </p:sp>
+    </p:spTree>
+    <p:extLst>
+      <p:ext uri="{BB962C8B-B14F-4D97-AF65-F5344CB8AC3E}">
+        <p14:creationId xmlns:p14="http://schemas.microsoft.com/office/powerpoint/2010/main" val="2181781803"/>
+      </p:ext>
+    </p:extLst>
+  </p:cSld>
+  <p:clrMapOvr>
+    <a:masterClrMapping/>
+  </p:clrMapOvr>
+</p:sld>
+</file>
+
+<file path=ppt/slides/slide20.xml><?xml version="1.0" encoding="utf-8"?>
+<p:sld xmlns:a="http://schemas.openxmlformats.org/drawingml/2006/main" xmlns:r="http://schemas.openxmlformats.org/officeDocument/2006/relationships" xmlns:p="http://schemas.openxmlformats.org/presentationml/2006/main">
+  <p:cSld>
+    <p:spTree>
+      <p:nvGrpSpPr>
+        <p:cNvPr id="1" name=""/>
+        <p:cNvGrpSpPr/>
+        <p:nvPr/>
+      </p:nvGrpSpPr>
+      <p:grpSpPr>
+        <a:xfrm>
+          <a:off x="0" y="0"/>
+          <a:ext cx="0" cy="0"/>
+          <a:chOff x="0" y="0"/>
+          <a:chExt cx="0" cy="0"/>
+        </a:xfrm>
+      </p:grpSpPr>
+      <p:sp>
+        <p:nvSpPr>
+          <p:cNvPr id="6" name="Content Placeholder 5"/>
+          <p:cNvSpPr>
+            <a:spLocks noGrp="1"/>
+          </p:cNvSpPr>
+          <p:nvPr>
+            <p:ph sz="quarter" idx="13"/>
+          </p:nvPr>
+        </p:nvSpPr>
+        <p:spPr/>
+        <p:txBody>
+          <a:bodyPr/>
+          <a:lstStyle/>
+          <a:p>
+            <a:r>
+              <a:rPr lang="en-US" dirty="0"/>
+              <a:t>Categories can specialize:</a:t>
+            </a:r>
+          </a:p>
+          <a:p>
+            <a:pPr marL="285750" indent="-285750">
+              <a:buFont typeface="Arial" panose="020B0604020202020204" pitchFamily="34" charset="0"/>
+              <a:buChar char="•"/>
+            </a:pPr>
+            <a:r>
+              <a:rPr lang="en-US" dirty="0"/>
+              <a:t>Impact (this is the most typical for business risk )</a:t>
+            </a:r>
+          </a:p>
+          <a:p>
+            <a:pPr marL="285750" indent="-285750">
+              <a:buFont typeface="Arial" panose="020B0604020202020204" pitchFamily="34" charset="0"/>
+              <a:buChar char="•"/>
+            </a:pPr>
+            <a:r>
+              <a:rPr lang="en-US" dirty="0"/>
+              <a:t>Source of a danger</a:t>
+            </a:r>
+          </a:p>
+          <a:p>
+            <a:pPr marL="285750" indent="-285750">
+              <a:buFont typeface="Arial" panose="020B0604020202020204" pitchFamily="34" charset="0"/>
+              <a:buChar char="•"/>
+            </a:pPr>
+            <a:r>
+              <a:rPr lang="en-US" dirty="0"/>
+              <a:t>What may fail</a:t>
+            </a:r>
+          </a:p>
+          <a:p>
+            <a:endParaRPr lang="en-US" dirty="0"/>
+          </a:p>
+          <a:p>
+            <a:r>
+              <a:rPr lang="en-US" dirty="0"/>
+              <a:t>The following are categories identified in operational threat/risk</a:t>
+            </a:r>
+          </a:p>
+          <a:p>
+            <a:r>
+              <a:rPr lang="en-US" dirty="0"/>
+              <a:t>Business risk would add additional categories, examples:</a:t>
+            </a:r>
+          </a:p>
+          <a:p>
+            <a:pPr marL="285750" indent="-285750">
+              <a:buFont typeface="Arial" panose="020B0604020202020204" pitchFamily="34" charset="0"/>
+              <a:buChar char="•"/>
+            </a:pPr>
+            <a:r>
+              <a:rPr lang="en-US" dirty="0"/>
+              <a:t>Market risk, credit risk, Legal risk, etc.</a:t>
+            </a:r>
+          </a:p>
+          <a:p>
+            <a:pPr marL="285750" indent="-285750">
+              <a:buFont typeface="Arial" panose="020B0604020202020204" pitchFamily="34" charset="0"/>
+              <a:buChar char="•"/>
+            </a:pPr>
+            <a:endParaRPr lang="en-US" dirty="0"/>
+          </a:p>
+        </p:txBody>
+      </p:sp>
+      <p:sp>
+        <p:nvSpPr>
+          <p:cNvPr id="2" name="Date Placeholder 1"/>
+          <p:cNvSpPr>
+            <a:spLocks noGrp="1"/>
+          </p:cNvSpPr>
+          <p:nvPr>
+            <p:ph type="dt" sz="half" idx="14"/>
+          </p:nvPr>
+        </p:nvSpPr>
+        <p:spPr/>
+        <p:txBody>
+          <a:bodyPr/>
+          <a:lstStyle/>
+          <a:p>
+            <a:r>
+              <a:rPr lang="en-US"/>
+              <a:t>June 2017</a:t>
+            </a:r>
+            <a:endParaRPr lang="en-US" dirty="0"/>
+          </a:p>
+        </p:txBody>
+      </p:sp>
+      <p:sp>
+        <p:nvSpPr>
+          <p:cNvPr id="3" name="Slide Number Placeholder 2"/>
+          <p:cNvSpPr>
+            <a:spLocks noGrp="1"/>
+          </p:cNvSpPr>
+          <p:nvPr>
+            <p:ph type="sldNum" sz="quarter" idx="15"/>
+          </p:nvPr>
+        </p:nvSpPr>
+        <p:spPr/>
+        <p:txBody>
+          <a:bodyPr/>
+          <a:lstStyle/>
+          <a:p>
+            <a:fld id="{C5349D12-3EF0-44B0-8484-0F10BE0E01DA}" type="slidenum">
+              <a:rPr lang="en-US" smtClean="0"/>
+              <a:t>20</a:t>
+            </a:fld>
+            <a:endParaRPr lang="en-US"/>
+          </a:p>
+        </p:txBody>
+      </p:sp>
+      <p:sp>
+        <p:nvSpPr>
+          <p:cNvPr id="4" name="Footer Placeholder 3"/>
+          <p:cNvSpPr>
+            <a:spLocks noGrp="1"/>
+          </p:cNvSpPr>
+          <p:nvPr>
+            <p:ph type="ftr" sz="quarter" idx="16"/>
+          </p:nvPr>
+        </p:nvSpPr>
+        <p:spPr/>
+        <p:txBody>
+          <a:bodyPr/>
+          <a:lstStyle/>
+          <a:p>
+            <a:r>
+              <a:rPr lang="en-US"/>
+              <a:t>Common Risk Concepts </a:t>
+            </a:r>
+            <a:endParaRPr lang="en-US" dirty="0"/>
+          </a:p>
+        </p:txBody>
+      </p:sp>
+      <p:sp>
+        <p:nvSpPr>
+          <p:cNvPr id="5" name="Title 4"/>
+          <p:cNvSpPr>
+            <a:spLocks noGrp="1"/>
+          </p:cNvSpPr>
+          <p:nvPr>
+            <p:ph type="title"/>
+          </p:nvPr>
+        </p:nvSpPr>
+        <p:spPr/>
+        <p:txBody>
+          <a:bodyPr>
+            <a:normAutofit fontScale="90000"/>
+          </a:bodyPr>
+          <a:lstStyle/>
+          <a:p>
+            <a:r>
+              <a:rPr lang="en-US" dirty="0"/>
+              <a:t>Categories also provide domain insight</a:t>
+            </a:r>
+          </a:p>
+        </p:txBody>
+      </p:sp>
+    </p:spTree>
+    <p:extLst>
+      <p:ext uri="{BB962C8B-B14F-4D97-AF65-F5344CB8AC3E}">
+        <p14:creationId xmlns:p14="http://schemas.microsoft.com/office/powerpoint/2010/main" val="1352994569"/>
+      </p:ext>
+    </p:extLst>
+  </p:cSld>
+  <p:clrMapOvr>
+    <a:masterClrMapping/>
+  </p:clrMapOvr>
+</p:sld>
+</file>
+
 <file path=ppt/slides/slide21.xml><?xml version="1.0" encoding="utf-8"?>
 <p:sld xmlns:a="http://schemas.openxmlformats.org/drawingml/2006/main" xmlns:r="http://schemas.openxmlformats.org/officeDocument/2006/relationships" xmlns:p="http://schemas.openxmlformats.org/presentationml/2006/main">
   <p:cSld>
@@ -7101,96 +7265,12 @@
       </p:grpSpPr>
       <p:sp>
         <p:nvSpPr>
-          <p:cNvPr id="6" name="Content Placeholder 5"/>
-          <p:cNvSpPr>
-            <a:spLocks noGrp="1"/>
-          </p:cNvSpPr>
-          <p:nvPr>
-            <p:ph sz="quarter" idx="13"/>
-          </p:nvPr>
-        </p:nvSpPr>
-        <p:spPr/>
-        <p:txBody>
-          <a:bodyPr/>
-          <a:lstStyle/>
-          <a:p>
-            <a:r>
-              <a:rPr lang="en-US" dirty="0"/>
-              <a:t>Categories can specialize:</a:t>
-            </a:r>
-          </a:p>
-          <a:p>
-            <a:pPr marL="285750" indent="-285750">
-              <a:buFont typeface="Arial" panose="020B0604020202020204" pitchFamily="34" charset="0"/>
-              <a:buChar char="•"/>
-            </a:pPr>
-            <a:r>
-              <a:rPr lang="en-US" dirty="0"/>
-              <a:t>Impact (this is the most typical for business risk )</a:t>
-            </a:r>
-          </a:p>
-          <a:p>
-            <a:pPr marL="285750" indent="-285750">
-              <a:buFont typeface="Arial" panose="020B0604020202020204" pitchFamily="34" charset="0"/>
-              <a:buChar char="•"/>
-            </a:pPr>
-            <a:r>
-              <a:rPr lang="en-US" dirty="0"/>
-              <a:t>Source of a danger</a:t>
-            </a:r>
-          </a:p>
-          <a:p>
-            <a:pPr marL="285750" indent="-285750">
-              <a:buFont typeface="Arial" panose="020B0604020202020204" pitchFamily="34" charset="0"/>
-              <a:buChar char="•"/>
-            </a:pPr>
-            <a:r>
-              <a:rPr lang="en-US" dirty="0"/>
-              <a:t>What may fail</a:t>
-            </a:r>
-          </a:p>
-          <a:p>
-            <a:endParaRPr lang="en-US" dirty="0"/>
-          </a:p>
-          <a:p>
-            <a:r>
-              <a:rPr lang="en-US" dirty="0"/>
-              <a:t>The following are categories identified in operational threat/risk</a:t>
-            </a:r>
-          </a:p>
-          <a:p>
-            <a:r>
-              <a:rPr lang="en-US" dirty="0"/>
-              <a:t>Business risk would add additional categories, examples:</a:t>
-            </a:r>
-          </a:p>
-          <a:p>
-            <a:pPr marL="285750" indent="-285750">
-              <a:buFont typeface="Arial" panose="020B0604020202020204" pitchFamily="34" charset="0"/>
-              <a:buChar char="•"/>
-            </a:pPr>
-            <a:r>
-              <a:rPr lang="en-US" dirty="0"/>
-              <a:t>Market risk, credit risk, Legal risk, etc.</a:t>
-            </a:r>
-          </a:p>
-          <a:p>
-            <a:pPr marL="285750" indent="-285750">
-              <a:buFont typeface="Arial" panose="020B0604020202020204" pitchFamily="34" charset="0"/>
-              <a:buChar char="•"/>
-            </a:pPr>
-            <a:endParaRPr lang="en-US" dirty="0"/>
-          </a:p>
-        </p:txBody>
-      </p:sp>
-      <p:sp>
-        <p:nvSpPr>
           <p:cNvPr id="2" name="Date Placeholder 1"/>
           <p:cNvSpPr>
             <a:spLocks noGrp="1"/>
           </p:cNvSpPr>
           <p:nvPr>
-            <p:ph type="dt" sz="half" idx="14"/>
+            <p:ph type="dt" sz="half" idx="10"/>
           </p:nvPr>
         </p:nvSpPr>
         <p:spPr/>
@@ -7213,7 +7293,7 @@
             <a:spLocks noGrp="1"/>
           </p:cNvSpPr>
           <p:nvPr>
-            <p:ph type="sldNum" sz="quarter" idx="15"/>
+            <p:ph type="sldNum" sz="quarter" idx="11"/>
           </p:nvPr>
         </p:nvSpPr>
         <p:spPr/>
@@ -7224,129 +7304,6 @@
             <a:fld id="{C5349D12-3EF0-44B0-8484-0F10BE0E01DA}" type="slidenum">
               <a:rPr lang="en-US" smtClean="0"/>
               <a:t>21</a:t>
-            </a:fld>
-            <a:endParaRPr lang="en-US"/>
-          </a:p>
-        </p:txBody>
-      </p:sp>
-      <p:sp>
-        <p:nvSpPr>
-          <p:cNvPr id="4" name="Footer Placeholder 3"/>
-          <p:cNvSpPr>
-            <a:spLocks noGrp="1"/>
-          </p:cNvSpPr>
-          <p:nvPr>
-            <p:ph type="ftr" sz="quarter" idx="16"/>
-          </p:nvPr>
-        </p:nvSpPr>
-        <p:spPr/>
-        <p:txBody>
-          <a:bodyPr/>
-          <a:lstStyle/>
-          <a:p>
-            <a:r>
-              <a:rPr lang="en-US"/>
-              <a:t>Common Risk Concepts </a:t>
-            </a:r>
-            <a:endParaRPr lang="en-US" dirty="0"/>
-          </a:p>
-        </p:txBody>
-      </p:sp>
-      <p:sp>
-        <p:nvSpPr>
-          <p:cNvPr id="5" name="Title 4"/>
-          <p:cNvSpPr>
-            <a:spLocks noGrp="1"/>
-          </p:cNvSpPr>
-          <p:nvPr>
-            <p:ph type="title"/>
-          </p:nvPr>
-        </p:nvSpPr>
-        <p:spPr/>
-        <p:txBody>
-          <a:bodyPr>
-            <a:normAutofit fontScale="90000"/>
-          </a:bodyPr>
-          <a:lstStyle/>
-          <a:p>
-            <a:r>
-              <a:rPr lang="en-US" dirty="0"/>
-              <a:t>Categories also provide domain insight</a:t>
-            </a:r>
-          </a:p>
-        </p:txBody>
-      </p:sp>
-    </p:spTree>
-    <p:extLst>
-      <p:ext uri="{BB962C8B-B14F-4D97-AF65-F5344CB8AC3E}">
-        <p14:creationId xmlns:p14="http://schemas.microsoft.com/office/powerpoint/2010/main" val="1352994569"/>
-      </p:ext>
-    </p:extLst>
-  </p:cSld>
-  <p:clrMapOvr>
-    <a:masterClrMapping/>
-  </p:clrMapOvr>
-</p:sld>
-</file>
-
-<file path=ppt/slides/slide22.xml><?xml version="1.0" encoding="utf-8"?>
-<p:sld xmlns:a="http://schemas.openxmlformats.org/drawingml/2006/main" xmlns:r="http://schemas.openxmlformats.org/officeDocument/2006/relationships" xmlns:p="http://schemas.openxmlformats.org/presentationml/2006/main">
-  <p:cSld>
-    <p:spTree>
-      <p:nvGrpSpPr>
-        <p:cNvPr id="1" name=""/>
-        <p:cNvGrpSpPr/>
-        <p:nvPr/>
-      </p:nvGrpSpPr>
-      <p:grpSpPr>
-        <a:xfrm>
-          <a:off x="0" y="0"/>
-          <a:ext cx="0" cy="0"/>
-          <a:chOff x="0" y="0"/>
-          <a:chExt cx="0" cy="0"/>
-        </a:xfrm>
-      </p:grpSpPr>
-      <p:sp>
-        <p:nvSpPr>
-          <p:cNvPr id="2" name="Date Placeholder 1"/>
-          <p:cNvSpPr>
-            <a:spLocks noGrp="1"/>
-          </p:cNvSpPr>
-          <p:nvPr>
-            <p:ph type="dt" sz="half" idx="10"/>
-          </p:nvPr>
-        </p:nvSpPr>
-        <p:spPr/>
-        <p:txBody>
-          <a:bodyPr/>
-          <a:lstStyle/>
-          <a:p>
-            <a:r>
-              <a:rPr lang="en-US"/>
-              <a:t>June 2017</a:t>
-            </a:r>
-            <a:endParaRPr lang="en-US" dirty="0"/>
-          </a:p>
-        </p:txBody>
-      </p:sp>
-      <p:sp>
-        <p:nvSpPr>
-          <p:cNvPr id="3" name="Slide Number Placeholder 2"/>
-          <p:cNvSpPr>
-            <a:spLocks noGrp="1"/>
-          </p:cNvSpPr>
-          <p:nvPr>
-            <p:ph type="sldNum" sz="quarter" idx="11"/>
-          </p:nvPr>
-        </p:nvSpPr>
-        <p:spPr/>
-        <p:txBody>
-          <a:bodyPr/>
-          <a:lstStyle/>
-          <a:p>
-            <a:fld id="{C5349D12-3EF0-44B0-8484-0F10BE0E01DA}" type="slidenum">
-              <a:rPr lang="en-US" smtClean="0"/>
-              <a:t>22</a:t>
             </a:fld>
             <a:endParaRPr lang="en-US"/>
           </a:p>
@@ -7436,7 +7393,7 @@
 </p:sld>
 </file>
 
-<file path=ppt/slides/slide23.xml><?xml version="1.0" encoding="utf-8"?>
+<file path=ppt/slides/slide22.xml><?xml version="1.0" encoding="utf-8"?>
 <p:sld xmlns:a="http://schemas.openxmlformats.org/drawingml/2006/main" xmlns:r="http://schemas.openxmlformats.org/officeDocument/2006/relationships" xmlns:p="http://schemas.openxmlformats.org/presentationml/2006/main">
   <p:cSld>
     <p:spTree>
@@ -7493,7 +7450,7 @@
           <a:p>
             <a:fld id="{C5349D12-3EF0-44B0-8484-0F10BE0E01DA}" type="slidenum">
               <a:rPr lang="en-US" smtClean="0"/>
-              <a:t>23</a:t>
+              <a:t>22</a:t>
             </a:fld>
             <a:endParaRPr lang="en-US"/>
           </a:p>
@@ -7583,7 +7540,7 @@
 </p:sld>
 </file>
 
-<file path=ppt/slides/slide24.xml><?xml version="1.0" encoding="utf-8"?>
+<file path=ppt/slides/slide23.xml><?xml version="1.0" encoding="utf-8"?>
 <p:sld xmlns:a="http://schemas.openxmlformats.org/drawingml/2006/main" xmlns:r="http://schemas.openxmlformats.org/officeDocument/2006/relationships" xmlns:p="http://schemas.openxmlformats.org/presentationml/2006/main">
   <p:cSld>
     <p:spTree>
@@ -7640,7 +7597,7 @@
           <a:p>
             <a:fld id="{C5349D12-3EF0-44B0-8484-0F10BE0E01DA}" type="slidenum">
               <a:rPr lang="en-US" smtClean="0"/>
-              <a:t>24</a:t>
+              <a:t>23</a:t>
             </a:fld>
             <a:endParaRPr lang="en-US"/>
           </a:p>
@@ -7730,7 +7687,7 @@
 </p:sld>
 </file>
 
-<file path=ppt/slides/slide25.xml><?xml version="1.0" encoding="utf-8"?>
+<file path=ppt/slides/slide24.xml><?xml version="1.0" encoding="utf-8"?>
 <p:sld xmlns:a="http://schemas.openxmlformats.org/drawingml/2006/main" xmlns:r="http://schemas.openxmlformats.org/officeDocument/2006/relationships" xmlns:p="http://schemas.openxmlformats.org/presentationml/2006/main">
   <p:cSld>
     <p:spTree>
@@ -7786,7 +7743,7 @@
           <a:p>
             <a:fld id="{C5349D12-3EF0-44B0-8484-0F10BE0E01DA}" type="slidenum">
               <a:rPr lang="en-US" smtClean="0"/>
-              <a:t>25</a:t>
+              <a:t>24</a:t>
             </a:fld>
             <a:endParaRPr lang="en-US"/>
           </a:p>
@@ -7875,6 +7832,573 @@
 </p:sld>
 </file>
 
+<file path=ppt/slides/slide25.xml><?xml version="1.0" encoding="utf-8"?>
+<p:sld xmlns:a="http://schemas.openxmlformats.org/drawingml/2006/main" xmlns:r="http://schemas.openxmlformats.org/officeDocument/2006/relationships" xmlns:p="http://schemas.openxmlformats.org/presentationml/2006/main">
+  <p:cSld>
+    <p:spTree>
+      <p:nvGrpSpPr>
+        <p:cNvPr id="1" name=""/>
+        <p:cNvGrpSpPr/>
+        <p:nvPr/>
+      </p:nvGrpSpPr>
+      <p:grpSpPr>
+        <a:xfrm>
+          <a:off x="0" y="0"/>
+          <a:ext cx="0" cy="0"/>
+          <a:chOff x="0" y="0"/>
+          <a:chExt cx="0" cy="0"/>
+        </a:xfrm>
+      </p:grpSpPr>
+      <p:sp>
+        <p:nvSpPr>
+          <p:cNvPr id="2" name="Date Placeholder 1"/>
+          <p:cNvSpPr>
+            <a:spLocks noGrp="1"/>
+          </p:cNvSpPr>
+          <p:nvPr>
+            <p:ph type="dt" sz="half" idx="10"/>
+          </p:nvPr>
+        </p:nvSpPr>
+        <p:spPr/>
+        <p:txBody>
+          <a:bodyPr/>
+          <a:lstStyle/>
+          <a:p>
+            <a:r>
+              <a:rPr lang="en-US" dirty="0"/>
+              <a:t>June 2017</a:t>
+            </a:r>
+          </a:p>
+        </p:txBody>
+      </p:sp>
+      <p:sp>
+        <p:nvSpPr>
+          <p:cNvPr id="3" name="Slide Number Placeholder 2"/>
+          <p:cNvSpPr>
+            <a:spLocks noGrp="1"/>
+          </p:cNvSpPr>
+          <p:nvPr>
+            <p:ph type="sldNum" sz="quarter" idx="11"/>
+          </p:nvPr>
+        </p:nvSpPr>
+        <p:spPr/>
+        <p:txBody>
+          <a:bodyPr/>
+          <a:lstStyle/>
+          <a:p>
+            <a:fld id="{C5349D12-3EF0-44B0-8484-0F10BE0E01DA}" type="slidenum">
+              <a:rPr lang="en-US" smtClean="0"/>
+              <a:t>25</a:t>
+            </a:fld>
+            <a:endParaRPr lang="en-US"/>
+          </a:p>
+        </p:txBody>
+      </p:sp>
+      <p:sp>
+        <p:nvSpPr>
+          <p:cNvPr id="4" name="Footer Placeholder 3"/>
+          <p:cNvSpPr>
+            <a:spLocks noGrp="1"/>
+          </p:cNvSpPr>
+          <p:nvPr>
+            <p:ph type="ftr" sz="quarter" idx="12"/>
+          </p:nvPr>
+        </p:nvSpPr>
+        <p:spPr/>
+        <p:txBody>
+          <a:bodyPr/>
+          <a:lstStyle/>
+          <a:p>
+            <a:r>
+              <a:rPr lang="en-US" dirty="0"/>
+              <a:t>Common Risk Concepts </a:t>
+            </a:r>
+          </a:p>
+        </p:txBody>
+      </p:sp>
+      <p:sp>
+        <p:nvSpPr>
+          <p:cNvPr id="5" name="Title 4"/>
+          <p:cNvSpPr>
+            <a:spLocks noGrp="1"/>
+          </p:cNvSpPr>
+          <p:nvPr>
+            <p:ph type="title"/>
+          </p:nvPr>
+        </p:nvSpPr>
+        <p:spPr/>
+        <p:txBody>
+          <a:bodyPr>
+            <a:normAutofit fontScale="90000"/>
+          </a:bodyPr>
+          <a:lstStyle/>
+          <a:p>
+            <a:r>
+              <a:rPr lang="en-US" dirty="0"/>
+              <a:t>Generic Concept Library Packages</a:t>
+            </a:r>
+          </a:p>
+        </p:txBody>
+      </p:sp>
+      <p:sp>
+        <p:nvSpPr>
+          <p:cNvPr id="6" name="Rectangle 5"/>
+          <p:cNvSpPr/>
+          <p:nvPr/>
+        </p:nvSpPr>
+        <p:spPr>
+          <a:xfrm>
+            <a:off x="868680" y="1182425"/>
+            <a:ext cx="6705600" cy="5066644"/>
+          </a:xfrm>
+          <a:prstGeom prst="rect">
+            <a:avLst/>
+          </a:prstGeom>
+        </p:spPr>
+        <p:txBody>
+          <a:bodyPr wrap="square" numCol="3">
+            <a:noAutofit/>
+          </a:bodyPr>
+          <a:lstStyle/>
+          <a:p>
+            <a:pPr>
+              <a:buFont typeface="Arial" panose="020B0604020202020204" pitchFamily="34" charset="0"/>
+              <a:buChar char="•"/>
+            </a:pPr>
+            <a:r>
+              <a:rPr lang="en-US" dirty="0"/>
+              <a:t>Assessments</a:t>
+            </a:r>
+          </a:p>
+          <a:p>
+            <a:pPr>
+              <a:buFont typeface="Arial" panose="020B0604020202020204" pitchFamily="34" charset="0"/>
+              <a:buChar char="•"/>
+            </a:pPr>
+            <a:r>
+              <a:rPr lang="en-US" dirty="0"/>
+              <a:t>Contact Information</a:t>
+            </a:r>
+          </a:p>
+          <a:p>
+            <a:pPr>
+              <a:buFont typeface="Arial" panose="020B0604020202020204" pitchFamily="34" charset="0"/>
+              <a:buChar char="•"/>
+            </a:pPr>
+            <a:r>
+              <a:rPr lang="en-US" dirty="0"/>
+              <a:t>Abilities</a:t>
+            </a:r>
+          </a:p>
+          <a:p>
+            <a:pPr>
+              <a:buFont typeface="Arial" panose="020B0604020202020204" pitchFamily="34" charset="0"/>
+              <a:buChar char="•"/>
+            </a:pPr>
+            <a:r>
+              <a:rPr lang="en-US" dirty="0"/>
+              <a:t>Composite Conditions</a:t>
+            </a:r>
+          </a:p>
+          <a:p>
+            <a:pPr>
+              <a:buFont typeface="Arial" panose="020B0604020202020204" pitchFamily="34" charset="0"/>
+              <a:buChar char="•"/>
+            </a:pPr>
+            <a:r>
+              <a:rPr lang="en-US" dirty="0"/>
+              <a:t>Containment</a:t>
+            </a:r>
+          </a:p>
+          <a:p>
+            <a:pPr>
+              <a:buFont typeface="Arial" panose="020B0604020202020204" pitchFamily="34" charset="0"/>
+              <a:buChar char="•"/>
+            </a:pPr>
+            <a:r>
+              <a:rPr lang="en-US" dirty="0"/>
+              <a:t>Control</a:t>
+            </a:r>
+          </a:p>
+          <a:p>
+            <a:pPr>
+              <a:buFont typeface="Arial" panose="020B0604020202020204" pitchFamily="34" charset="0"/>
+              <a:buChar char="•"/>
+            </a:pPr>
+            <a:r>
+              <a:rPr lang="en-US" dirty="0"/>
+              <a:t>Credentials</a:t>
+            </a:r>
+          </a:p>
+          <a:p>
+            <a:pPr>
+              <a:buFont typeface="Arial" panose="020B0604020202020204" pitchFamily="34" charset="0"/>
+              <a:buChar char="•"/>
+            </a:pPr>
+            <a:r>
+              <a:rPr lang="en-US" dirty="0"/>
+              <a:t>Cyber</a:t>
+            </a:r>
+          </a:p>
+          <a:p>
+            <a:pPr>
+              <a:buFont typeface="Arial" panose="020B0604020202020204" pitchFamily="34" charset="0"/>
+              <a:buChar char="•"/>
+            </a:pPr>
+            <a:r>
+              <a:rPr lang="en-US" dirty="0"/>
+              <a:t>Enterprises</a:t>
+            </a:r>
+          </a:p>
+          <a:p>
+            <a:pPr>
+              <a:buFont typeface="Arial" panose="020B0604020202020204" pitchFamily="34" charset="0"/>
+              <a:buChar char="•"/>
+            </a:pPr>
+            <a:r>
+              <a:rPr lang="en-US" dirty="0"/>
+              <a:t>Corporations</a:t>
+            </a:r>
+          </a:p>
+          <a:p>
+            <a:pPr>
+              <a:buFont typeface="Arial" panose="020B0604020202020204" pitchFamily="34" charset="0"/>
+              <a:buChar char="•"/>
+            </a:pPr>
+            <a:r>
+              <a:rPr lang="en-US" dirty="0"/>
+              <a:t>Entities</a:t>
+            </a:r>
+          </a:p>
+          <a:p>
+            <a:pPr>
+              <a:buFont typeface="Arial" panose="020B0604020202020204" pitchFamily="34" charset="0"/>
+              <a:buChar char="•"/>
+            </a:pPr>
+            <a:r>
+              <a:rPr lang="en-US" dirty="0"/>
+              <a:t>Occurrences</a:t>
+            </a:r>
+          </a:p>
+          <a:p>
+            <a:pPr>
+              <a:buFont typeface="Arial" panose="020B0604020202020204" pitchFamily="34" charset="0"/>
+              <a:buChar char="•"/>
+            </a:pPr>
+            <a:r>
+              <a:rPr lang="en-US" dirty="0"/>
+              <a:t>Geopolitical Organizations</a:t>
+            </a:r>
+          </a:p>
+          <a:p>
+            <a:pPr>
+              <a:buFont typeface="Arial" panose="020B0604020202020204" pitchFamily="34" charset="0"/>
+              <a:buChar char="•"/>
+            </a:pPr>
+            <a:r>
+              <a:rPr lang="en-US" dirty="0"/>
+              <a:t>Entities</a:t>
+            </a:r>
+          </a:p>
+          <a:p>
+            <a:pPr>
+              <a:buFont typeface="Arial" panose="020B0604020202020204" pitchFamily="34" charset="0"/>
+              <a:buChar char="•"/>
+            </a:pPr>
+            <a:r>
+              <a:rPr lang="en-US" dirty="0"/>
+              <a:t>Observations</a:t>
+            </a:r>
+          </a:p>
+          <a:p>
+            <a:pPr>
+              <a:buFont typeface="Arial" panose="020B0604020202020204" pitchFamily="34" charset="0"/>
+              <a:buChar char="•"/>
+            </a:pPr>
+            <a:r>
+              <a:rPr lang="en-US" dirty="0"/>
+              <a:t>Locations</a:t>
+            </a:r>
+          </a:p>
+          <a:p>
+            <a:pPr>
+              <a:buFont typeface="Arial" panose="020B0604020202020204" pitchFamily="34" charset="0"/>
+              <a:buChar char="•"/>
+            </a:pPr>
+            <a:r>
+              <a:rPr lang="en-US" dirty="0"/>
+              <a:t>Objectives</a:t>
+            </a:r>
+          </a:p>
+          <a:p>
+            <a:pPr>
+              <a:buFont typeface="Arial" panose="020B0604020202020204" pitchFamily="34" charset="0"/>
+              <a:buChar char="•"/>
+            </a:pPr>
+            <a:r>
+              <a:rPr lang="en-US" dirty="0"/>
+              <a:t>Information</a:t>
+            </a:r>
+          </a:p>
+          <a:p>
+            <a:pPr>
+              <a:buFont typeface="Arial" panose="020B0604020202020204" pitchFamily="34" charset="0"/>
+              <a:buChar char="•"/>
+            </a:pPr>
+            <a:r>
+              <a:rPr lang="en-US" dirty="0"/>
+              <a:t>Identifiers and Coordinates</a:t>
+            </a:r>
+          </a:p>
+          <a:p>
+            <a:pPr>
+              <a:buFont typeface="Arial" panose="020B0604020202020204" pitchFamily="34" charset="0"/>
+              <a:buChar char="•"/>
+            </a:pPr>
+            <a:r>
+              <a:rPr lang="en-US" dirty="0"/>
+              <a:t>Permissions</a:t>
+            </a:r>
+          </a:p>
+          <a:p>
+            <a:pPr>
+              <a:buFont typeface="Arial" panose="020B0604020202020204" pitchFamily="34" charset="0"/>
+              <a:buChar char="•"/>
+            </a:pPr>
+            <a:r>
+              <a:rPr lang="en-US" dirty="0"/>
+              <a:t>Organizations</a:t>
+            </a:r>
+          </a:p>
+          <a:p>
+            <a:pPr>
+              <a:buFont typeface="Arial" panose="020B0604020202020204" pitchFamily="34" charset="0"/>
+              <a:buChar char="•"/>
+            </a:pPr>
+            <a:r>
+              <a:rPr lang="en-US" dirty="0"/>
+              <a:t>Places</a:t>
+            </a:r>
+          </a:p>
+          <a:p>
+            <a:pPr>
+              <a:buFont typeface="Arial" panose="020B0604020202020204" pitchFamily="34" charset="0"/>
+              <a:buChar char="•"/>
+            </a:pPr>
+            <a:r>
+              <a:rPr lang="en-US" dirty="0"/>
+              <a:t>Persons</a:t>
+            </a:r>
+          </a:p>
+          <a:p>
+            <a:pPr>
+              <a:buFont typeface="Arial" panose="020B0604020202020204" pitchFamily="34" charset="0"/>
+              <a:buChar char="•"/>
+            </a:pPr>
+            <a:r>
+              <a:rPr lang="en-US" dirty="0"/>
+              <a:t>Physical Entities</a:t>
+            </a:r>
+          </a:p>
+          <a:p>
+            <a:pPr>
+              <a:buFont typeface="Arial" panose="020B0604020202020204" pitchFamily="34" charset="0"/>
+              <a:buChar char="•"/>
+            </a:pPr>
+            <a:r>
+              <a:rPr lang="en-US" dirty="0"/>
+              <a:t>Processes</a:t>
+            </a:r>
+          </a:p>
+          <a:p>
+            <a:pPr>
+              <a:buFont typeface="Arial" panose="020B0604020202020204" pitchFamily="34" charset="0"/>
+              <a:buChar char="•"/>
+            </a:pPr>
+            <a:r>
+              <a:rPr lang="en-US" dirty="0"/>
+              <a:t>Process Effects</a:t>
+            </a:r>
+          </a:p>
+          <a:p>
+            <a:pPr>
+              <a:buFont typeface="Arial" panose="020B0604020202020204" pitchFamily="34" charset="0"/>
+              <a:buChar char="•"/>
+            </a:pPr>
+            <a:r>
+              <a:rPr lang="en-US" dirty="0"/>
+              <a:t>Policies</a:t>
+            </a:r>
+          </a:p>
+          <a:p>
+            <a:pPr>
+              <a:buFont typeface="Arial" panose="020B0604020202020204" pitchFamily="34" charset="0"/>
+              <a:buChar char="•"/>
+            </a:pPr>
+            <a:r>
+              <a:rPr lang="en-US" dirty="0"/>
+              <a:t>Predictions</a:t>
+            </a:r>
+          </a:p>
+          <a:p>
+            <a:pPr>
+              <a:buFont typeface="Arial" panose="020B0604020202020204" pitchFamily="34" charset="0"/>
+              <a:buChar char="•"/>
+            </a:pPr>
+            <a:r>
+              <a:rPr lang="en-US" dirty="0"/>
+              <a:t>Quantities and Units</a:t>
+            </a:r>
+          </a:p>
+          <a:p>
+            <a:pPr>
+              <a:buFont typeface="Arial" panose="020B0604020202020204" pitchFamily="34" charset="0"/>
+              <a:buChar char="•"/>
+            </a:pPr>
+            <a:r>
+              <a:rPr lang="en-US" dirty="0"/>
+              <a:t>Resources</a:t>
+            </a:r>
+          </a:p>
+          <a:p>
+            <a:pPr>
+              <a:buFont typeface="Arial" panose="020B0604020202020204" pitchFamily="34" charset="0"/>
+              <a:buChar char="•"/>
+            </a:pPr>
+            <a:r>
+              <a:rPr lang="en-US" dirty="0"/>
+              <a:t>Response</a:t>
+            </a:r>
+          </a:p>
+          <a:p>
+            <a:pPr>
+              <a:buFont typeface="Arial" panose="020B0604020202020204" pitchFamily="34" charset="0"/>
+              <a:buChar char="•"/>
+            </a:pPr>
+            <a:r>
+              <a:rPr lang="en-US" dirty="0"/>
+              <a:t>Quantity Kinds</a:t>
+            </a:r>
+          </a:p>
+          <a:p>
+            <a:pPr>
+              <a:buFont typeface="Arial" panose="020B0604020202020204" pitchFamily="34" charset="0"/>
+              <a:buChar char="•"/>
+            </a:pPr>
+            <a:r>
+              <a:rPr lang="en-US" dirty="0"/>
+              <a:t>Scenarios</a:t>
+            </a:r>
+          </a:p>
+          <a:p>
+            <a:pPr>
+              <a:buFont typeface="Arial" panose="020B0604020202020204" pitchFamily="34" charset="0"/>
+              <a:buChar char="•"/>
+            </a:pPr>
+            <a:r>
+              <a:rPr lang="en-US" dirty="0"/>
+              <a:t>Situations</a:t>
+            </a:r>
+          </a:p>
+          <a:p>
+            <a:pPr>
+              <a:buFont typeface="Arial" panose="020B0604020202020204" pitchFamily="34" charset="0"/>
+              <a:buChar char="•"/>
+            </a:pPr>
+            <a:r>
+              <a:rPr lang="en-US" dirty="0"/>
+              <a:t>Social Agents</a:t>
+            </a:r>
+          </a:p>
+          <a:p>
+            <a:pPr>
+              <a:buFont typeface="Arial" panose="020B0604020202020204" pitchFamily="34" charset="0"/>
+              <a:buChar char="•"/>
+            </a:pPr>
+            <a:r>
+              <a:rPr lang="en-US" dirty="0"/>
+              <a:t>Systems</a:t>
+            </a:r>
+          </a:p>
+          <a:p>
+            <a:pPr>
+              <a:buFont typeface="Arial" panose="020B0604020202020204" pitchFamily="34" charset="0"/>
+              <a:buChar char="•"/>
+            </a:pPr>
+            <a:r>
+              <a:rPr lang="en-US" dirty="0"/>
+              <a:t>Units</a:t>
+            </a:r>
+          </a:p>
+          <a:p>
+            <a:pPr>
+              <a:buFont typeface="Arial" panose="020B0604020202020204" pitchFamily="34" charset="0"/>
+              <a:buChar char="•"/>
+            </a:pPr>
+            <a:r>
+              <a:rPr lang="en-US" dirty="0"/>
+              <a:t>Vendors and Producers</a:t>
+            </a:r>
+          </a:p>
+          <a:p>
+            <a:pPr>
+              <a:buFont typeface="Arial" panose="020B0604020202020204" pitchFamily="34" charset="0"/>
+              <a:buChar char="•"/>
+            </a:pPr>
+            <a:r>
+              <a:rPr lang="en-US" dirty="0"/>
+              <a:t>Time &amp; Temporal Entities</a:t>
+            </a:r>
+          </a:p>
+        </p:txBody>
+      </p:sp>
+      <p:sp>
+        <p:nvSpPr>
+          <p:cNvPr id="7" name="TextBox 6"/>
+          <p:cNvSpPr txBox="1"/>
+          <p:nvPr/>
+        </p:nvSpPr>
+        <p:spPr>
+          <a:xfrm>
+            <a:off x="6065874" y="4317165"/>
+            <a:ext cx="2667000" cy="1938992"/>
+          </a:xfrm>
+          <a:prstGeom prst="rect">
+            <a:avLst/>
+          </a:prstGeom>
+          <a:noFill/>
+        </p:spPr>
+        <p:txBody>
+          <a:bodyPr wrap="square" rtlCol="0">
+            <a:spAutoFit/>
+          </a:bodyPr>
+          <a:lstStyle/>
+          <a:p>
+            <a:pPr algn="ctr"/>
+            <a:r>
+              <a:rPr lang="en-US" sz="2000" dirty="0">
+                <a:solidFill>
+                  <a:srgbClr val="FFFF00"/>
+                </a:solidFill>
+              </a:rPr>
+              <a:t>Topics related to sharing and federating information relative to threats and risks but not specific to threats or risks</a:t>
+            </a:r>
+          </a:p>
+        </p:txBody>
+      </p:sp>
+    </p:spTree>
+    <p:extLst>
+      <p:ext uri="{BB962C8B-B14F-4D97-AF65-F5344CB8AC3E}">
+        <p14:creationId xmlns:p14="http://schemas.microsoft.com/office/powerpoint/2010/main" val="116702190"/>
+      </p:ext>
+    </p:extLst>
+  </p:cSld>
+  <p:clrMapOvr>
+    <a:masterClrMapping/>
+  </p:clrMapOvr>
+</p:sld>
+</file>
+
 <file path=ppt/slides/slide26.xml><?xml version="1.0" encoding="utf-8"?>
 <p:sld xmlns:a="http://schemas.openxmlformats.org/drawingml/2006/main" xmlns:r="http://schemas.openxmlformats.org/officeDocument/2006/relationships" xmlns:p="http://schemas.openxmlformats.org/presentationml/2006/main">
   <p:cSld>
@@ -7908,9 +8432,10 @@
           <a:lstStyle/>
           <a:p>
             <a:r>
-              <a:rPr lang="en-US" dirty="0"/>
+              <a:rPr lang="en-US"/>
               <a:t>June 2017</a:t>
             </a:r>
+            <a:endParaRPr lang="en-US" dirty="0"/>
           </a:p>
         </p:txBody>
       </p:sp>
@@ -7953,9 +8478,10 @@
           <a:lstStyle/>
           <a:p>
             <a:r>
-              <a:rPr lang="en-US" dirty="0"/>
+              <a:rPr lang="en-US"/>
               <a:t>Common Risk Concepts </a:t>
             </a:r>
+            <a:endParaRPr lang="en-US" dirty="0"/>
           </a:p>
         </p:txBody>
       </p:sp>
@@ -7978,461 +8504,39 @@
           <a:p>
             <a:r>
               <a:rPr lang="en-US" dirty="0"/>
-              <a:t>Generic Concept Library Packages</a:t>
-            </a:r>
-          </a:p>
-        </p:txBody>
-      </p:sp>
-      <p:sp>
-        <p:nvSpPr>
-          <p:cNvPr id="6" name="Rectangle 5"/>
-          <p:cNvSpPr/>
+              <a:t>Example package - Objectives</a:t>
+            </a:r>
+          </a:p>
+        </p:txBody>
+      </p:sp>
+      <p:pic>
+        <p:nvPicPr>
+          <p:cNvPr id="7" name="Picture 6"/>
+          <p:cNvPicPr>
+            <a:picLocks noChangeAspect="1"/>
+          </p:cNvPicPr>
           <p:nvPr/>
-        </p:nvSpPr>
+        </p:nvPicPr>
+        <p:blipFill>
+          <a:blip r:embed="rId2"/>
+          <a:stretch>
+            <a:fillRect/>
+          </a:stretch>
+        </p:blipFill>
         <p:spPr>
           <a:xfrm>
-            <a:off x="868680" y="1182425"/>
-            <a:ext cx="6705600" cy="5066644"/>
+            <a:off x="0" y="856593"/>
+            <a:ext cx="9144000" cy="6062320"/>
           </a:xfrm>
           <a:prstGeom prst="rect">
             <a:avLst/>
           </a:prstGeom>
         </p:spPr>
-        <p:txBody>
-          <a:bodyPr wrap="square" numCol="3">
-            <a:noAutofit/>
-          </a:bodyPr>
-          <a:lstStyle/>
-          <a:p>
-            <a:pPr>
-              <a:buFont typeface="Arial" panose="020B0604020202020204" pitchFamily="34" charset="0"/>
-              <a:buChar char="•"/>
-            </a:pPr>
-            <a:r>
-              <a:rPr lang="en-US" dirty="0"/>
-              <a:t>Assessments</a:t>
-            </a:r>
-          </a:p>
-          <a:p>
-            <a:pPr>
-              <a:buFont typeface="Arial" panose="020B0604020202020204" pitchFamily="34" charset="0"/>
-              <a:buChar char="•"/>
-            </a:pPr>
-            <a:r>
-              <a:rPr lang="en-US" dirty="0"/>
-              <a:t>Contact Information</a:t>
-            </a:r>
-          </a:p>
-          <a:p>
-            <a:pPr>
-              <a:buFont typeface="Arial" panose="020B0604020202020204" pitchFamily="34" charset="0"/>
-              <a:buChar char="•"/>
-            </a:pPr>
-            <a:r>
-              <a:rPr lang="en-US" dirty="0"/>
-              <a:t>Abilities</a:t>
-            </a:r>
-          </a:p>
-          <a:p>
-            <a:pPr>
-              <a:buFont typeface="Arial" panose="020B0604020202020204" pitchFamily="34" charset="0"/>
-              <a:buChar char="•"/>
-            </a:pPr>
-            <a:r>
-              <a:rPr lang="en-US" dirty="0"/>
-              <a:t>Composite Conditions</a:t>
-            </a:r>
-          </a:p>
-          <a:p>
-            <a:pPr>
-              <a:buFont typeface="Arial" panose="020B0604020202020204" pitchFamily="34" charset="0"/>
-              <a:buChar char="•"/>
-            </a:pPr>
-            <a:r>
-              <a:rPr lang="en-US" dirty="0"/>
-              <a:t>Containment</a:t>
-            </a:r>
-          </a:p>
-          <a:p>
-            <a:pPr>
-              <a:buFont typeface="Arial" panose="020B0604020202020204" pitchFamily="34" charset="0"/>
-              <a:buChar char="•"/>
-            </a:pPr>
-            <a:r>
-              <a:rPr lang="en-US" dirty="0"/>
-              <a:t>Control</a:t>
-            </a:r>
-          </a:p>
-          <a:p>
-            <a:pPr>
-              <a:buFont typeface="Arial" panose="020B0604020202020204" pitchFamily="34" charset="0"/>
-              <a:buChar char="•"/>
-            </a:pPr>
-            <a:r>
-              <a:rPr lang="en-US" dirty="0"/>
-              <a:t>Credentials</a:t>
-            </a:r>
-          </a:p>
-          <a:p>
-            <a:pPr>
-              <a:buFont typeface="Arial" panose="020B0604020202020204" pitchFamily="34" charset="0"/>
-              <a:buChar char="•"/>
-            </a:pPr>
-            <a:r>
-              <a:rPr lang="en-US" dirty="0"/>
-              <a:t>Cyber</a:t>
-            </a:r>
-          </a:p>
-          <a:p>
-            <a:pPr>
-              <a:buFont typeface="Arial" panose="020B0604020202020204" pitchFamily="34" charset="0"/>
-              <a:buChar char="•"/>
-            </a:pPr>
-            <a:r>
-              <a:rPr lang="en-US" dirty="0"/>
-              <a:t>Enterprises</a:t>
-            </a:r>
-          </a:p>
-          <a:p>
-            <a:pPr>
-              <a:buFont typeface="Arial" panose="020B0604020202020204" pitchFamily="34" charset="0"/>
-              <a:buChar char="•"/>
-            </a:pPr>
-            <a:r>
-              <a:rPr lang="en-US" dirty="0"/>
-              <a:t>Corporations</a:t>
-            </a:r>
-          </a:p>
-          <a:p>
-            <a:pPr>
-              <a:buFont typeface="Arial" panose="020B0604020202020204" pitchFamily="34" charset="0"/>
-              <a:buChar char="•"/>
-            </a:pPr>
-            <a:r>
-              <a:rPr lang="en-US" dirty="0"/>
-              <a:t>Entities</a:t>
-            </a:r>
-          </a:p>
-          <a:p>
-            <a:pPr>
-              <a:buFont typeface="Arial" panose="020B0604020202020204" pitchFamily="34" charset="0"/>
-              <a:buChar char="•"/>
-            </a:pPr>
-            <a:r>
-              <a:rPr lang="en-US" dirty="0"/>
-              <a:t>Occurrences</a:t>
-            </a:r>
-          </a:p>
-          <a:p>
-            <a:pPr>
-              <a:buFont typeface="Arial" panose="020B0604020202020204" pitchFamily="34" charset="0"/>
-              <a:buChar char="•"/>
-            </a:pPr>
-            <a:r>
-              <a:rPr lang="en-US" dirty="0"/>
-              <a:t>Geopolitical Organizations</a:t>
-            </a:r>
-          </a:p>
-          <a:p>
-            <a:pPr>
-              <a:buFont typeface="Arial" panose="020B0604020202020204" pitchFamily="34" charset="0"/>
-              <a:buChar char="•"/>
-            </a:pPr>
-            <a:r>
-              <a:rPr lang="en-US" dirty="0"/>
-              <a:t>Entities</a:t>
-            </a:r>
-          </a:p>
-          <a:p>
-            <a:pPr>
-              <a:buFont typeface="Arial" panose="020B0604020202020204" pitchFamily="34" charset="0"/>
-              <a:buChar char="•"/>
-            </a:pPr>
-            <a:r>
-              <a:rPr lang="en-US" dirty="0"/>
-              <a:t>Observations</a:t>
-            </a:r>
-          </a:p>
-          <a:p>
-            <a:pPr>
-              <a:buFont typeface="Arial" panose="020B0604020202020204" pitchFamily="34" charset="0"/>
-              <a:buChar char="•"/>
-            </a:pPr>
-            <a:r>
-              <a:rPr lang="en-US" dirty="0"/>
-              <a:t>Locations</a:t>
-            </a:r>
-          </a:p>
-          <a:p>
-            <a:pPr>
-              <a:buFont typeface="Arial" panose="020B0604020202020204" pitchFamily="34" charset="0"/>
-              <a:buChar char="•"/>
-            </a:pPr>
-            <a:r>
-              <a:rPr lang="en-US" dirty="0"/>
-              <a:t>Objectives</a:t>
-            </a:r>
-          </a:p>
-          <a:p>
-            <a:pPr>
-              <a:buFont typeface="Arial" panose="020B0604020202020204" pitchFamily="34" charset="0"/>
-              <a:buChar char="•"/>
-            </a:pPr>
-            <a:r>
-              <a:rPr lang="en-US" dirty="0"/>
-              <a:t>Information</a:t>
-            </a:r>
-          </a:p>
-          <a:p>
-            <a:pPr>
-              <a:buFont typeface="Arial" panose="020B0604020202020204" pitchFamily="34" charset="0"/>
-              <a:buChar char="•"/>
-            </a:pPr>
-            <a:r>
-              <a:rPr lang="en-US" dirty="0"/>
-              <a:t>Identifiers and Coordinates</a:t>
-            </a:r>
-          </a:p>
-          <a:p>
-            <a:pPr>
-              <a:buFont typeface="Arial" panose="020B0604020202020204" pitchFamily="34" charset="0"/>
-              <a:buChar char="•"/>
-            </a:pPr>
-            <a:r>
-              <a:rPr lang="en-US" dirty="0"/>
-              <a:t>Permissions</a:t>
-            </a:r>
-          </a:p>
-          <a:p>
-            <a:pPr>
-              <a:buFont typeface="Arial" panose="020B0604020202020204" pitchFamily="34" charset="0"/>
-              <a:buChar char="•"/>
-            </a:pPr>
-            <a:r>
-              <a:rPr lang="en-US" dirty="0"/>
-              <a:t>Organizations</a:t>
-            </a:r>
-          </a:p>
-          <a:p>
-            <a:pPr>
-              <a:buFont typeface="Arial" panose="020B0604020202020204" pitchFamily="34" charset="0"/>
-              <a:buChar char="•"/>
-            </a:pPr>
-            <a:r>
-              <a:rPr lang="en-US" dirty="0"/>
-              <a:t>Places</a:t>
-            </a:r>
-          </a:p>
-          <a:p>
-            <a:pPr>
-              <a:buFont typeface="Arial" panose="020B0604020202020204" pitchFamily="34" charset="0"/>
-              <a:buChar char="•"/>
-            </a:pPr>
-            <a:r>
-              <a:rPr lang="en-US" dirty="0"/>
-              <a:t>Persons</a:t>
-            </a:r>
-          </a:p>
-          <a:p>
-            <a:pPr>
-              <a:buFont typeface="Arial" panose="020B0604020202020204" pitchFamily="34" charset="0"/>
-              <a:buChar char="•"/>
-            </a:pPr>
-            <a:r>
-              <a:rPr lang="en-US" dirty="0"/>
-              <a:t>Physical Entities</a:t>
-            </a:r>
-          </a:p>
-          <a:p>
-            <a:pPr>
-              <a:buFont typeface="Arial" panose="020B0604020202020204" pitchFamily="34" charset="0"/>
-              <a:buChar char="•"/>
-            </a:pPr>
-            <a:r>
-              <a:rPr lang="en-US" dirty="0"/>
-              <a:t>Processes</a:t>
-            </a:r>
-          </a:p>
-          <a:p>
-            <a:pPr>
-              <a:buFont typeface="Arial" panose="020B0604020202020204" pitchFamily="34" charset="0"/>
-              <a:buChar char="•"/>
-            </a:pPr>
-            <a:r>
-              <a:rPr lang="en-US" dirty="0"/>
-              <a:t>Process Effects</a:t>
-            </a:r>
-          </a:p>
-          <a:p>
-            <a:pPr>
-              <a:buFont typeface="Arial" panose="020B0604020202020204" pitchFamily="34" charset="0"/>
-              <a:buChar char="•"/>
-            </a:pPr>
-            <a:r>
-              <a:rPr lang="en-US" dirty="0"/>
-              <a:t>Policies</a:t>
-            </a:r>
-          </a:p>
-          <a:p>
-            <a:pPr>
-              <a:buFont typeface="Arial" panose="020B0604020202020204" pitchFamily="34" charset="0"/>
-              <a:buChar char="•"/>
-            </a:pPr>
-            <a:r>
-              <a:rPr lang="en-US" dirty="0"/>
-              <a:t>Predictions</a:t>
-            </a:r>
-          </a:p>
-          <a:p>
-            <a:pPr>
-              <a:buFont typeface="Arial" panose="020B0604020202020204" pitchFamily="34" charset="0"/>
-              <a:buChar char="•"/>
-            </a:pPr>
-            <a:r>
-              <a:rPr lang="en-US" dirty="0"/>
-              <a:t>Quantities and Units</a:t>
-            </a:r>
-          </a:p>
-          <a:p>
-            <a:pPr>
-              <a:buFont typeface="Arial" panose="020B0604020202020204" pitchFamily="34" charset="0"/>
-              <a:buChar char="•"/>
-            </a:pPr>
-            <a:r>
-              <a:rPr lang="en-US" dirty="0"/>
-              <a:t>Resources</a:t>
-            </a:r>
-          </a:p>
-          <a:p>
-            <a:pPr>
-              <a:buFont typeface="Arial" panose="020B0604020202020204" pitchFamily="34" charset="0"/>
-              <a:buChar char="•"/>
-            </a:pPr>
-            <a:r>
-              <a:rPr lang="en-US" dirty="0"/>
-              <a:t>Response</a:t>
-            </a:r>
-          </a:p>
-          <a:p>
-            <a:pPr>
-              <a:buFont typeface="Arial" panose="020B0604020202020204" pitchFamily="34" charset="0"/>
-              <a:buChar char="•"/>
-            </a:pPr>
-            <a:r>
-              <a:rPr lang="en-US" dirty="0"/>
-              <a:t>Quantity Kinds</a:t>
-            </a:r>
-          </a:p>
-          <a:p>
-            <a:pPr>
-              <a:buFont typeface="Arial" panose="020B0604020202020204" pitchFamily="34" charset="0"/>
-              <a:buChar char="•"/>
-            </a:pPr>
-            <a:r>
-              <a:rPr lang="en-US" dirty="0"/>
-              <a:t>Scenarios</a:t>
-            </a:r>
-          </a:p>
-          <a:p>
-            <a:pPr>
-              <a:buFont typeface="Arial" panose="020B0604020202020204" pitchFamily="34" charset="0"/>
-              <a:buChar char="•"/>
-            </a:pPr>
-            <a:r>
-              <a:rPr lang="en-US" dirty="0"/>
-              <a:t>Situations</a:t>
-            </a:r>
-          </a:p>
-          <a:p>
-            <a:pPr>
-              <a:buFont typeface="Arial" panose="020B0604020202020204" pitchFamily="34" charset="0"/>
-              <a:buChar char="•"/>
-            </a:pPr>
-            <a:r>
-              <a:rPr lang="en-US" dirty="0"/>
-              <a:t>Social Agents</a:t>
-            </a:r>
-          </a:p>
-          <a:p>
-            <a:pPr>
-              <a:buFont typeface="Arial" panose="020B0604020202020204" pitchFamily="34" charset="0"/>
-              <a:buChar char="•"/>
-            </a:pPr>
-            <a:r>
-              <a:rPr lang="en-US" dirty="0"/>
-              <a:t>Systems</a:t>
-            </a:r>
-          </a:p>
-          <a:p>
-            <a:pPr>
-              <a:buFont typeface="Arial" panose="020B0604020202020204" pitchFamily="34" charset="0"/>
-              <a:buChar char="•"/>
-            </a:pPr>
-            <a:r>
-              <a:rPr lang="en-US" dirty="0"/>
-              <a:t>Units</a:t>
-            </a:r>
-          </a:p>
-          <a:p>
-            <a:pPr>
-              <a:buFont typeface="Arial" panose="020B0604020202020204" pitchFamily="34" charset="0"/>
-              <a:buChar char="•"/>
-            </a:pPr>
-            <a:r>
-              <a:rPr lang="en-US" dirty="0"/>
-              <a:t>Vendors and Producers</a:t>
-            </a:r>
-          </a:p>
-          <a:p>
-            <a:pPr>
-              <a:buFont typeface="Arial" panose="020B0604020202020204" pitchFamily="34" charset="0"/>
-              <a:buChar char="•"/>
-            </a:pPr>
-            <a:r>
-              <a:rPr lang="en-US" dirty="0"/>
-              <a:t>Time &amp; Temporal Entities</a:t>
-            </a:r>
-          </a:p>
-        </p:txBody>
-      </p:sp>
-      <p:sp>
-        <p:nvSpPr>
-          <p:cNvPr id="7" name="TextBox 6"/>
-          <p:cNvSpPr txBox="1"/>
-          <p:nvPr/>
-        </p:nvSpPr>
-        <p:spPr>
-          <a:xfrm>
-            <a:off x="6065874" y="4317165"/>
-            <a:ext cx="2667000" cy="1938992"/>
-          </a:xfrm>
-          <a:prstGeom prst="rect">
-            <a:avLst/>
-          </a:prstGeom>
-          <a:noFill/>
-        </p:spPr>
-        <p:txBody>
-          <a:bodyPr wrap="square" rtlCol="0">
-            <a:spAutoFit/>
-          </a:bodyPr>
-          <a:lstStyle/>
-          <a:p>
-            <a:pPr algn="ctr"/>
-            <a:r>
-              <a:rPr lang="en-US" sz="2000" dirty="0">
-                <a:solidFill>
-                  <a:srgbClr val="FFFF00"/>
-                </a:solidFill>
-              </a:rPr>
-              <a:t>Topics related to sharing and federating information relative to threats and risks but not specific to threats or risks</a:t>
-            </a:r>
-          </a:p>
-        </p:txBody>
-      </p:sp>
+      </p:pic>
     </p:spTree>
     <p:extLst>
       <p:ext uri="{BB962C8B-B14F-4D97-AF65-F5344CB8AC3E}">
-        <p14:creationId xmlns:p14="http://schemas.microsoft.com/office/powerpoint/2010/main" val="116702190"/>
+        <p14:creationId xmlns:p14="http://schemas.microsoft.com/office/powerpoint/2010/main" val="1444196804"/>
       </p:ext>
     </p:extLst>
   </p:cSld>
@@ -9067,26 +9171,32 @@
         <p:spPr/>
         <p:txBody>
           <a:bodyPr>
-            <a:normAutofit fontScale="92500" lnSpcReduction="10000"/>
+            <a:normAutofit lnSpcReduction="10000"/>
           </a:bodyPr>
           <a:lstStyle/>
           <a:p>
             <a:r>
               <a:rPr lang="en-US" dirty="0"/>
+              <a:t>Two communities</a:t>
+            </a:r>
+          </a:p>
+          <a:p>
+            <a:pPr lvl="1"/>
+            <a:r>
+              <a:rPr lang="en-US" dirty="0"/>
               <a:t>Information federation, sharing and integration about threats, risks and the threatened entities, systems and environments</a:t>
             </a:r>
           </a:p>
           <a:p>
+            <a:pPr lvl="1"/>
             <a:endParaRPr lang="en-US" dirty="0"/>
           </a:p>
           <a:p>
-            <a:r>
-              <a:rPr lang="en-US" dirty="0"/>
-              <a:t>Less focus on design of secure systems or systems assurance (UAF).</a:t>
-            </a:r>
-          </a:p>
-          <a:p>
-            <a:endParaRPr lang="en-US" dirty="0"/>
+            <a:pPr lvl="1"/>
+            <a:r>
+              <a:rPr lang="en-US" dirty="0"/>
+              <a:t>Focus on design of secure systems or systems assurance (UAF).</a:t>
+            </a:r>
           </a:p>
           <a:p>
             <a:r>
@@ -11484,7 +11594,7 @@
         </p:spPr>
         <p:txBody>
           <a:bodyPr>
-            <a:normAutofit fontScale="92500" lnSpcReduction="20000"/>
+            <a:normAutofit/>
           </a:bodyPr>
           <a:lstStyle/>
           <a:p>
@@ -11536,21 +11646,6 @@
               <a:t>http://threatrisk.org/</a:t>
             </a:r>
             <a:endParaRPr lang="en-US" u="sng" dirty="0"/>
-          </a:p>
-          <a:p>
-            <a:pPr lvl="0"/>
-            <a:endParaRPr lang="en-US" u="sng" dirty="0"/>
-          </a:p>
-          <a:p>
-            <a:pPr lvl="0"/>
-            <a:r>
-              <a:rPr lang="en-US" u="sng" dirty="0">
-                <a:solidFill>
-                  <a:srgbClr val="FFFF00"/>
-                </a:solidFill>
-              </a:rPr>
-              <a:t>Status: Revised submission due for December, POC Implementation in progress (Model Driven Solutions).</a:t>
-            </a:r>
           </a:p>
           <a:p>
             <a:pPr lvl="0"/>
